--- a/2016305078_최영환_os_report_02.pptx
+++ b/2016305078_최영환_os_report_02.pptx
@@ -15,8 +15,8 @@
     <p:sldId id="324" r:id="rId6"/>
     <p:sldId id="316" r:id="rId7"/>
     <p:sldId id="325" r:id="rId8"/>
-    <p:sldId id="328" r:id="rId9"/>
-    <p:sldId id="307" r:id="rId10"/>
+    <p:sldId id="307" r:id="rId9"/>
+    <p:sldId id="328" r:id="rId10"/>
     <p:sldId id="319" r:id="rId11"/>
     <p:sldId id="326" r:id="rId12"/>
     <p:sldId id="327" r:id="rId13"/>
@@ -210,7 +210,7 @@
           <a:p>
             <a:fld id="{8C8C7AC8-0D24-4D38-BB9B-7FD49ABCCE39}" type="datetimeFigureOut">
               <a:rPr lang="ko-KR" altLang="en-US" smtClean="0"/>
-              <a:t>2021-05-02</a:t>
+              <a:t>2021-05-04</a:t>
             </a:fld>
             <a:endParaRPr lang="ko-KR" altLang="en-US"/>
           </a:p>
@@ -716,7 +716,7 @@
           <a:p>
             <a:fld id="{B6C2E5D7-6326-4CC5-88AB-378A58B9EB70}" type="datetime1">
               <a:rPr lang="ko-KR" altLang="en-US" smtClean="0"/>
-              <a:t>2021-05-02</a:t>
+              <a:t>2021-05-04</a:t>
             </a:fld>
             <a:endParaRPr lang="ko-KR" altLang="en-US"/>
           </a:p>
@@ -930,7 +930,7 @@
           <a:p>
             <a:fld id="{8EF34317-FAF1-40A4-BFA0-2093A56D0883}" type="datetime1">
               <a:rPr lang="ko-KR" altLang="en-US" smtClean="0"/>
-              <a:t>2021-05-02</a:t>
+              <a:t>2021-05-04</a:t>
             </a:fld>
             <a:endParaRPr lang="ko-KR" altLang="en-US"/>
           </a:p>
@@ -1154,7 +1154,7 @@
           <a:p>
             <a:fld id="{CE3CCFD3-4AF1-4546-A044-293030D0DA4F}" type="datetime1">
               <a:rPr lang="ko-KR" altLang="en-US" smtClean="0"/>
-              <a:t>2021-05-02</a:t>
+              <a:t>2021-05-04</a:t>
             </a:fld>
             <a:endParaRPr lang="ko-KR" altLang="en-US"/>
           </a:p>
@@ -1368,7 +1368,7 @@
           <a:p>
             <a:fld id="{38FE8627-1092-4F20-9AD6-FC8B4572915A}" type="datetime1">
               <a:rPr lang="ko-KR" altLang="en-US" smtClean="0"/>
-              <a:t>2021-05-02</a:t>
+              <a:t>2021-05-04</a:t>
             </a:fld>
             <a:endParaRPr lang="ko-KR" altLang="en-US"/>
           </a:p>
@@ -1659,7 +1659,7 @@
           <a:p>
             <a:fld id="{3EDB25F7-1BA0-4AE5-B7CF-DE4D8ED194DA}" type="datetime1">
               <a:rPr lang="ko-KR" altLang="en-US" smtClean="0"/>
-              <a:t>2021-05-02</a:t>
+              <a:t>2021-05-04</a:t>
             </a:fld>
             <a:endParaRPr lang="ko-KR" altLang="en-US"/>
           </a:p>
@@ -1940,7 +1940,7 @@
           <a:p>
             <a:fld id="{2878ECB4-1BC1-4093-8D99-3F19DF0BE809}" type="datetime1">
               <a:rPr lang="ko-KR" altLang="en-US" smtClean="0"/>
-              <a:t>2021-05-02</a:t>
+              <a:t>2021-05-04</a:t>
             </a:fld>
             <a:endParaRPr lang="ko-KR" altLang="en-US"/>
           </a:p>
@@ -2368,7 +2368,7 @@
           <a:p>
             <a:fld id="{040AFBB3-EDCC-4726-B8E9-BA7353D25D5E}" type="datetime1">
               <a:rPr lang="ko-KR" altLang="en-US" smtClean="0"/>
-              <a:t>2021-05-02</a:t>
+              <a:t>2021-05-04</a:t>
             </a:fld>
             <a:endParaRPr lang="ko-KR" altLang="en-US"/>
           </a:p>
@@ -2525,7 +2525,7 @@
           <a:p>
             <a:fld id="{1FD4D6D8-9A56-4F07-A18E-1B1ACCD139DE}" type="datetime1">
               <a:rPr lang="ko-KR" altLang="en-US" smtClean="0"/>
-              <a:t>2021-05-02</a:t>
+              <a:t>2021-05-04</a:t>
             </a:fld>
             <a:endParaRPr lang="ko-KR" altLang="en-US"/>
           </a:p>
@@ -2654,7 +2654,7 @@
           <a:p>
             <a:fld id="{C22120E5-637D-4910-8241-FACEBA7EDACB}" type="datetime1">
               <a:rPr lang="ko-KR" altLang="en-US" smtClean="0"/>
-              <a:t>2021-05-02</a:t>
+              <a:t>2021-05-04</a:t>
             </a:fld>
             <a:endParaRPr lang="ko-KR" altLang="en-US"/>
           </a:p>
@@ -2981,7 +2981,7 @@
           <a:p>
             <a:fld id="{061F079F-B0B0-4DA7-9D70-F415C443A9FA}" type="datetime1">
               <a:rPr lang="ko-KR" altLang="en-US" smtClean="0"/>
-              <a:t>2021-05-02</a:t>
+              <a:t>2021-05-04</a:t>
             </a:fld>
             <a:endParaRPr lang="ko-KR" altLang="en-US"/>
           </a:p>
@@ -3288,7 +3288,7 @@
           <a:p>
             <a:fld id="{86809CB0-603A-4180-AFBA-F4D3B9480BF3}" type="datetime1">
               <a:rPr lang="ko-KR" altLang="en-US" smtClean="0"/>
-              <a:t>2021-05-02</a:t>
+              <a:t>2021-05-04</a:t>
             </a:fld>
             <a:endParaRPr lang="ko-KR" altLang="en-US"/>
           </a:p>
@@ -4638,7 +4638,7 @@
         <p:spPr>
           <a:xfrm>
             <a:off x="401081" y="4326074"/>
-            <a:ext cx="5508764" cy="2246769"/>
+            <a:ext cx="5508764" cy="2031325"/>
           </a:xfrm>
           <a:prstGeom prst="rect">
             <a:avLst/>
@@ -4665,7 +4665,7 @@
             </a:r>
             <a:r>
               <a:rPr lang="ko-KR" altLang="en-US" sz="1400" dirty="0"/>
-              <a:t>는 문자열이 저장됨</a:t>
+              <a:t>는 문자열임</a:t>
             </a:r>
             <a:r>
               <a:rPr lang="en-US" altLang="ko-KR" sz="1400" dirty="0"/>
@@ -4713,13 +4713,10 @@
               <a:rPr lang="ko-KR" altLang="en-US" sz="1400" dirty="0"/>
               <a:t>을 호출하여 현재</a:t>
             </a:r>
-            <a:endParaRPr lang="en-US" altLang="ko-KR" sz="1400" dirty="0"/>
-          </a:p>
-          <a:p>
-            <a:pPr marL="285750" indent="-285750">
-              <a:buFont typeface="Arial" panose="020B0604020202020204" pitchFamily="34" charset="0"/>
-              <a:buChar char="•"/>
-            </a:pPr>
+            <a:r>
+              <a:rPr lang="en-US" altLang="ko-KR" sz="1400" dirty="0"/>
+              <a:t> </a:t>
+            </a:r>
             <a:r>
               <a:rPr lang="ko-KR" altLang="en-US" sz="1400" dirty="0"/>
               <a:t>실행중인 쓰레드를 종료함</a:t>
@@ -5749,7 +5746,7 @@
         <p:spPr>
           <a:xfrm>
             <a:off x="401082" y="4354696"/>
-            <a:ext cx="5174403" cy="738664"/>
+            <a:ext cx="5174403" cy="1169551"/>
           </a:xfrm>
           <a:prstGeom prst="rect">
             <a:avLst/>
@@ -5788,6 +5785,13 @@
               <a:buFont typeface="Arial" panose="020B0604020202020204" pitchFamily="34" charset="0"/>
               <a:buChar char="•"/>
             </a:pPr>
+            <a:endParaRPr lang="en-US" altLang="ko-KR" sz="1400" dirty="0"/>
+          </a:p>
+          <a:p>
+            <a:pPr marL="285750" indent="-285750">
+              <a:buFont typeface="Arial" panose="020B0604020202020204" pitchFamily="34" charset="0"/>
+              <a:buChar char="•"/>
+            </a:pPr>
             <a:r>
               <a:rPr lang="en-US" altLang="ko-KR" sz="1400" dirty="0"/>
               <a:t>info</a:t>
@@ -5800,6 +5804,13 @@
               <a:rPr lang="en-US" altLang="ko-KR" sz="1400" dirty="0"/>
               <a:t>.</a:t>
             </a:r>
+          </a:p>
+          <a:p>
+            <a:pPr marL="285750" indent="-285750">
+              <a:buFont typeface="Arial" panose="020B0604020202020204" pitchFamily="34" charset="0"/>
+              <a:buChar char="•"/>
+            </a:pPr>
+            <a:endParaRPr lang="en-US" altLang="ko-KR" sz="1400" dirty="0"/>
           </a:p>
           <a:p>
             <a:pPr marL="285750" indent="-285750">
@@ -8911,6 +8922,42 @@
           <a:chExt cx="0" cy="0"/>
         </a:xfrm>
       </p:grpSpPr>
+      <p:pic>
+        <p:nvPicPr>
+          <p:cNvPr id="46" name="그림 45">
+            <a:extLst>
+              <a:ext uri="{FF2B5EF4-FFF2-40B4-BE49-F238E27FC236}">
+                <a16:creationId xmlns:a16="http://schemas.microsoft.com/office/drawing/2014/main" id="{9DBD3B23-8A89-4329-96F1-C8B628A2D00B}"/>
+              </a:ext>
+            </a:extLst>
+          </p:cNvPr>
+          <p:cNvPicPr>
+            <a:picLocks noChangeAspect="1"/>
+          </p:cNvPicPr>
+          <p:nvPr/>
+        </p:nvPicPr>
+        <p:blipFill>
+          <a:blip r:embed="rId2">
+            <a:extLst>
+              <a:ext uri="{28A0092B-C50C-407E-A947-70E740481C1C}">
+                <a14:useLocalDpi xmlns:a14="http://schemas.microsoft.com/office/drawing/2010/main" val="0"/>
+              </a:ext>
+            </a:extLst>
+          </a:blip>
+          <a:stretch>
+            <a:fillRect/>
+          </a:stretch>
+        </p:blipFill>
+        <p:spPr>
+          <a:xfrm>
+            <a:off x="1261388" y="1048511"/>
+            <a:ext cx="9669224" cy="5468113"/>
+          </a:xfrm>
+          <a:prstGeom prst="rect">
+            <a:avLst/>
+          </a:prstGeom>
+        </p:spPr>
+      </p:pic>
       <p:sp>
         <p:nvSpPr>
           <p:cNvPr id="2" name="TextBox 1">
@@ -8925,7 +8972,7 @@
         </p:nvSpPr>
         <p:spPr>
           <a:xfrm>
-            <a:off x="643711" y="408748"/>
+            <a:off x="643711" y="417569"/>
             <a:ext cx="10904578" cy="630942"/>
           </a:xfrm>
           <a:prstGeom prst="rect">
@@ -9030,36 +9077,6 @@
           </a:p>
         </p:txBody>
       </p:sp>
-      <p:pic>
-        <p:nvPicPr>
-          <p:cNvPr id="6" name="그림 5">
-            <a:extLst>
-              <a:ext uri="{FF2B5EF4-FFF2-40B4-BE49-F238E27FC236}">
-                <a16:creationId xmlns:a16="http://schemas.microsoft.com/office/drawing/2014/main" id="{B9B1A020-5A06-46DE-93A5-52868A16CA08}"/>
-              </a:ext>
-            </a:extLst>
-          </p:cNvPr>
-          <p:cNvPicPr>
-            <a:picLocks noChangeAspect="1"/>
-          </p:cNvPicPr>
-          <p:nvPr/>
-        </p:nvPicPr>
-        <p:blipFill>
-          <a:blip r:embed="rId2"/>
-          <a:stretch>
-            <a:fillRect/>
-          </a:stretch>
-        </p:blipFill>
-        <p:spPr>
-          <a:xfrm>
-            <a:off x="1084976" y="1039690"/>
-            <a:ext cx="10463313" cy="5156444"/>
-          </a:xfrm>
-          <a:prstGeom prst="rect">
-            <a:avLst/>
-          </a:prstGeom>
-        </p:spPr>
-      </p:pic>
     </p:spTree>
     <p:extLst>
       <p:ext uri="{BB962C8B-B14F-4D97-AF65-F5344CB8AC3E}">
@@ -9669,8 +9686,8 @@
         </p:nvSpPr>
         <p:spPr>
           <a:xfrm>
-            <a:off x="4415405" y="2797361"/>
-            <a:ext cx="64316" cy="700848"/>
+            <a:off x="4415404" y="2797361"/>
+            <a:ext cx="72705" cy="734404"/>
           </a:xfrm>
           <a:prstGeom prst="rightBracket">
             <a:avLst/>
@@ -10592,7 +10609,21 @@
                 <a:latin typeface="나눔바른고딕 Light" panose="020B0603020101020101" pitchFamily="50" charset="-127"/>
                 <a:ea typeface="나눔바른고딕 Light" panose="020B0603020101020101" pitchFamily="50" charset="-127"/>
               </a:rPr>
-              <a:t>함수 수정 후</a:t>
+              <a:t>최종</a:t>
+            </a:r>
+            <a:r>
+              <a:rPr lang="en-US" altLang="ko-KR" sz="2000" b="1" dirty="0">
+                <a:latin typeface="나눔바른고딕 Light" panose="020B0603020101020101" pitchFamily="50" charset="-127"/>
+                <a:ea typeface="나눔바른고딕 Light" panose="020B0603020101020101" pitchFamily="50" charset="-127"/>
+              </a:rPr>
+              <a:t> </a:t>
+            </a:r>
+            <a:r>
+              <a:rPr lang="ko-KR" altLang="en-US" sz="2000" b="1" dirty="0">
+                <a:latin typeface="나눔바른고딕 Light" panose="020B0603020101020101" pitchFamily="50" charset="-127"/>
+                <a:ea typeface="나눔바른고딕 Light" panose="020B0603020101020101" pitchFamily="50" charset="-127"/>
+              </a:rPr>
+              <a:t>수행 결과</a:t>
             </a:r>
             <a:endParaRPr lang="en-US" altLang="ko-KR" sz="2000" b="1" dirty="0">
               <a:latin typeface="나눔바른고딕 Light" panose="020B0603020101020101" pitchFamily="50" charset="-127"/>
@@ -11031,7 +11062,7 @@
         <p:spPr>
           <a:xfrm>
             <a:off x="315182" y="4196211"/>
-            <a:ext cx="11707264" cy="426124"/>
+            <a:ext cx="11707264" cy="580741"/>
           </a:xfrm>
           <a:prstGeom prst="rect">
             <a:avLst/>
@@ -11167,13 +11198,6 @@
               </a:rPr>
               <a:t>.</a:t>
             </a:r>
-            <a:endParaRPr lang="ko-KR" altLang="en-US" b="1" dirty="0">
-              <a:solidFill>
-                <a:schemeClr val="tx1"/>
-              </a:solidFill>
-              <a:latin typeface="나눔바른고딕" panose="020B0603020101020101" pitchFamily="50" charset="-127"/>
-              <a:ea typeface="나눔바른고딕" panose="020B0603020101020101" pitchFamily="50" charset="-127"/>
-            </a:endParaRPr>
           </a:p>
         </p:txBody>
       </p:sp>
@@ -11819,7 +11843,7 @@
                 <a:ea typeface="함초롬돋움" panose="020B0604000101010101" pitchFamily="50" charset="-127"/>
                 <a:cs typeface="함초롬돋움" panose="020B0604000101010101" pitchFamily="50" charset="-127"/>
               </a:rPr>
-              <a:t>Const</a:t>
+              <a:t>const</a:t>
             </a:r>
             <a:r>
               <a:rPr lang="en-US" altLang="ko-KR" sz="1400" dirty="0">
@@ -12208,7 +12232,15 @@
                 <a:ea typeface="함초롬돋움" panose="020B0604000101010101" pitchFamily="50" charset="-127"/>
                 <a:cs typeface="함초롬돋움" panose="020B0604000101010101" pitchFamily="50" charset="-127"/>
               </a:rPr>
-              <a:t>	   PTHREAD_CANCEL_ASYNCHRONOUS : </a:t>
+              <a:t>	   PTHREAD_CANCEL_ASYNCHRONOUS :</a:t>
+            </a:r>
+            <a:r>
+              <a:rPr lang="ko-KR" altLang="en-US" sz="1400" dirty="0">
+                <a:latin typeface="나눔바른고딕 UltraLight"/>
+                <a:ea typeface="나눔바른고딕 Light" panose="020B0603020101020101" pitchFamily="50" charset="-127"/>
+                <a:cs typeface="함초롬돋움" panose="020B0604000101010101" pitchFamily="50" charset="-127"/>
+              </a:rPr>
+              <a:t>취소 요청이 들어오면 바로 종료</a:t>
             </a:r>
             <a:r>
               <a:rPr lang="ko-KR" altLang="en-US" sz="1400" dirty="0">
@@ -12216,7 +12248,7 @@
                 <a:ea typeface="함초롬돋움" panose="020B0604000101010101" pitchFamily="50" charset="-127"/>
                 <a:cs typeface="함초롬돋움" panose="020B0604000101010101" pitchFamily="50" charset="-127"/>
               </a:rPr>
-              <a:t>취소 지점을 벗어날 때까지 대기</a:t>
+              <a:t> </a:t>
             </a:r>
             <a:endParaRPr lang="en-US" altLang="ko-KR" sz="1400" dirty="0">
               <a:latin typeface="나눔바른고딕 UltraLight"/>
@@ -12236,10 +12268,10 @@
             <a:r>
               <a:rPr lang="ko-KR" altLang="en-US" sz="1400" dirty="0">
                 <a:latin typeface="나눔바른고딕 UltraLight"/>
-                <a:ea typeface="나눔바른고딕 Light" panose="020B0603020101020101" pitchFamily="50" charset="-127"/>
+                <a:ea typeface="함초롬돋움" panose="020B0604000101010101" pitchFamily="50" charset="-127"/>
                 <a:cs typeface="함초롬돋움" panose="020B0604000101010101" pitchFamily="50" charset="-127"/>
               </a:rPr>
-              <a:t>취소 요청이 들어오면 바로 종료</a:t>
+              <a:t>지점을 벗어날 때까지 대기</a:t>
             </a:r>
             <a:endParaRPr lang="en-US" altLang="ko-KR" sz="1400" dirty="0">
               <a:latin typeface="나눔바른고딕 UltraLight"/>
@@ -13527,6 +13559,26 @@
               <a:t>.</a:t>
             </a:r>
           </a:p>
+          <a:p>
+            <a:pPr marL="180000" indent="-180000">
+              <a:buFont typeface="Arial" panose="020B0604020202020204" pitchFamily="34" charset="0"/>
+              <a:buChar char="•"/>
+            </a:pPr>
+            <a:r>
+              <a:rPr lang="ko-KR" altLang="en-US" sz="1500" dirty="0">
+                <a:latin typeface="나눔바른고딕 Light" panose="020B0603020101020101" pitchFamily="50" charset="-127"/>
+                <a:ea typeface="나눔바른고딕 UltraLight" panose="020B0603020101020101"/>
+              </a:rPr>
+              <a:t>한 개의 쓰레드가 자원을 독점하는 것을 방지함</a:t>
+            </a:r>
+            <a:r>
+              <a:rPr lang="en-US" altLang="ko-KR" sz="1500" dirty="0">
+                <a:latin typeface="나눔바른고딕 Light" panose="020B0603020101020101" pitchFamily="50" charset="-127"/>
+                <a:ea typeface="나눔바른고딕 UltraLight" panose="020B0603020101020101"/>
+              </a:rPr>
+              <a:t>.</a:t>
+            </a:r>
+          </a:p>
         </p:txBody>
       </p:sp>
     </p:spTree>
@@ -13588,21 +13640,25 @@
           <a:lstStyle/>
           <a:p>
             <a:r>
-              <a:rPr lang="en-US" altLang="ko-KR" sz="2000" b="1" dirty="0">
+              <a:rPr lang="en-US" altLang="ko-KR" sz="2000" b="1" dirty="0" err="1">
                 <a:latin typeface="나눔바른고딕 Light" panose="020B0603020101020101" pitchFamily="50" charset="-127"/>
                 <a:ea typeface="나눔바른고딕 Light" panose="020B0603020101020101" pitchFamily="50" charset="-127"/>
               </a:rPr>
-              <a:t>smp2_main</a:t>
-            </a:r>
+              <a:t>enzyme.h</a:t>
+            </a:r>
+            <a:endParaRPr lang="en-US" altLang="ko-KR" sz="2000" b="1" dirty="0">
+              <a:latin typeface="나눔바른고딕 Light" panose="020B0603020101020101" pitchFamily="50" charset="-127"/>
+              <a:ea typeface="나눔바른고딕 Light" panose="020B0603020101020101" pitchFamily="50" charset="-127"/>
+            </a:endParaRPr>
           </a:p>
         </p:txBody>
       </p:sp>
       <p:pic>
         <p:nvPicPr>
-          <p:cNvPr id="4" name="그림 3">
-            <a:extLst>
-              <a:ext uri="{FF2B5EF4-FFF2-40B4-BE49-F238E27FC236}">
-                <a16:creationId xmlns:a16="http://schemas.microsoft.com/office/drawing/2014/main" id="{53D80FE7-7A6B-4A00-BE95-439DF5B68CD2}"/>
+          <p:cNvPr id="5" name="그림 4">
+            <a:extLst>
+              <a:ext uri="{FF2B5EF4-FFF2-40B4-BE49-F238E27FC236}">
+                <a16:creationId xmlns:a16="http://schemas.microsoft.com/office/drawing/2014/main" id="{0066574B-ABEF-4D36-87E4-B292ACCF567F}"/>
               </a:ext>
             </a:extLst>
           </p:cNvPr>
@@ -13612,15 +13668,21 @@
           <p:nvPr/>
         </p:nvPicPr>
         <p:blipFill>
-          <a:blip r:embed="rId2"/>
+          <a:blip r:embed="rId2">
+            <a:extLst>
+              <a:ext uri="{28A0092B-C50C-407E-A947-70E740481C1C}">
+                <a14:useLocalDpi xmlns:a14="http://schemas.microsoft.com/office/drawing/2010/main" val="0"/>
+              </a:ext>
+            </a:extLst>
+          </a:blip>
           <a:stretch>
             <a:fillRect/>
           </a:stretch>
         </p:blipFill>
         <p:spPr>
           <a:xfrm>
-            <a:off x="339294" y="708492"/>
-            <a:ext cx="5239385" cy="5950015"/>
+            <a:off x="242368" y="760618"/>
+            <a:ext cx="6773220" cy="3524742"/>
           </a:xfrm>
           <a:prstGeom prst="rect">
             <a:avLst/>
@@ -13629,28 +13691,106 @@
       </p:pic>
       <p:sp>
         <p:nvSpPr>
-          <p:cNvPr id="7" name="직사각형 6">
-            <a:extLst>
-              <a:ext uri="{FF2B5EF4-FFF2-40B4-BE49-F238E27FC236}">
-                <a16:creationId xmlns:a16="http://schemas.microsoft.com/office/drawing/2014/main" id="{4DF1B36C-1F0C-4367-8031-7EAD4425FA19}"/>
-              </a:ext>
-            </a:extLst>
-          </p:cNvPr>
-          <p:cNvSpPr/>
+          <p:cNvPr id="6" name="TextBox 5">
+            <a:extLst>
+              <a:ext uri="{FF2B5EF4-FFF2-40B4-BE49-F238E27FC236}">
+                <a16:creationId xmlns:a16="http://schemas.microsoft.com/office/drawing/2014/main" id="{46FCB3FC-8A47-4529-9538-CFB901B9E13D}"/>
+              </a:ext>
+            </a:extLst>
+          </p:cNvPr>
+          <p:cNvSpPr txBox="1"/>
           <p:nvPr/>
         </p:nvSpPr>
         <p:spPr>
           <a:xfrm>
-            <a:off x="6095999" y="708492"/>
-            <a:ext cx="5756707" cy="5950015"/>
+            <a:off x="7860484" y="1944749"/>
+            <a:ext cx="3967993" cy="830997"/>
           </a:xfrm>
           <a:prstGeom prst="rect">
             <a:avLst/>
           </a:prstGeom>
           <a:noFill/>
-          <a:ln w="19050">
+          <a:ln w="28575">
             <a:solidFill>
-              <a:schemeClr val="tx1"/>
+              <a:srgbClr val="FF0000"/>
+            </a:solidFill>
+          </a:ln>
+        </p:spPr>
+        <p:txBody>
+          <a:bodyPr wrap="square" rtlCol="0">
+            <a:spAutoFit/>
+          </a:bodyPr>
+          <a:lstStyle/>
+          <a:p>
+            <a:r>
+              <a:rPr lang="ko-KR" altLang="en-US" sz="1600" dirty="0"/>
+              <a:t>쓰레드의 정보를 가진 구조체</a:t>
+            </a:r>
+            <a:r>
+              <a:rPr lang="en-US" altLang="ko-KR" sz="1600" dirty="0"/>
+              <a:t>.</a:t>
+            </a:r>
+          </a:p>
+          <a:p>
+            <a:r>
+              <a:rPr lang="ko-KR" altLang="en-US" sz="1600" dirty="0"/>
+              <a:t>각 쓰레드는 하나의 문자열과</a:t>
+            </a:r>
+            <a:endParaRPr lang="en-US" altLang="ko-KR" sz="1600" dirty="0"/>
+          </a:p>
+          <a:p>
+            <a:r>
+              <a:rPr lang="ko-KR" altLang="en-US" sz="1600" dirty="0"/>
+              <a:t>하나의 정수형 변수</a:t>
+            </a:r>
+            <a:r>
+              <a:rPr lang="en-US" altLang="ko-KR" sz="1600" dirty="0"/>
+              <a:t>(</a:t>
+            </a:r>
+            <a:r>
+              <a:rPr lang="ko-KR" altLang="en-US" sz="1600" dirty="0"/>
+              <a:t>정렬 횟수</a:t>
+            </a:r>
+            <a:r>
+              <a:rPr lang="en-US" altLang="ko-KR" sz="1600" dirty="0"/>
+              <a:t>)</a:t>
+            </a:r>
+            <a:r>
+              <a:rPr lang="ko-KR" altLang="en-US" sz="1600" dirty="0"/>
+              <a:t>를 가짐</a:t>
+            </a:r>
+            <a:r>
+              <a:rPr lang="en-US" altLang="ko-KR" sz="1600" dirty="0"/>
+              <a:t>.</a:t>
+            </a:r>
+            <a:endParaRPr lang="ko-KR" altLang="en-US" sz="1600" dirty="0"/>
+          </a:p>
+        </p:txBody>
+      </p:sp>
+      <p:sp>
+        <p:nvSpPr>
+          <p:cNvPr id="7" name="직사각형 6">
+            <a:extLst>
+              <a:ext uri="{FF2B5EF4-FFF2-40B4-BE49-F238E27FC236}">
+                <a16:creationId xmlns:a16="http://schemas.microsoft.com/office/drawing/2014/main" id="{76948739-8E3B-45CE-8078-9C2652DF4124}"/>
+              </a:ext>
+            </a:extLst>
+          </p:cNvPr>
+          <p:cNvSpPr/>
+          <p:nvPr/>
+        </p:nvSpPr>
+        <p:spPr>
+          <a:xfrm>
+            <a:off x="242368" y="2114026"/>
+            <a:ext cx="1619988" cy="687897"/>
+          </a:xfrm>
+          <a:prstGeom prst="rect">
+            <a:avLst/>
+          </a:prstGeom>
+          <a:noFill/>
+          <a:ln w="38100">
+            <a:solidFill>
+              <a:srgbClr val="FF0000"/>
             </a:solidFill>
           </a:ln>
         </p:spPr>
@@ -13674,575 +13814,407 @@
           <a:bodyPr rtlCol="0" anchor="ctr"/>
           <a:lstStyle/>
           <a:p>
-            <a:pPr marL="285750" indent="-285750">
-              <a:buFont typeface="Wingdings" panose="05000000000000000000" pitchFamily="2" charset="2"/>
-              <a:buChar char="Ø"/>
-            </a:pPr>
-            <a:r>
-              <a:rPr lang="ko-KR" altLang="en-US" sz="1600" dirty="0">
-                <a:solidFill>
-                  <a:schemeClr val="tx1"/>
-                </a:solidFill>
-              </a:rPr>
-              <a:t>매개변수로 받은 문자열의 문자 개수가 </a:t>
-            </a:r>
-            <a:r>
-              <a:rPr lang="en-US" altLang="ko-KR" sz="1600" dirty="0">
-                <a:solidFill>
-                  <a:schemeClr val="tx1"/>
-                </a:solidFill>
-              </a:rPr>
-              <a:t>1</a:t>
-            </a:r>
-            <a:r>
-              <a:rPr lang="ko-KR" altLang="en-US" sz="1600" dirty="0">
-                <a:solidFill>
-                  <a:schemeClr val="tx1"/>
-                </a:solidFill>
-              </a:rPr>
-              <a:t>개 이하인 경우</a:t>
-            </a:r>
-            <a:r>
-              <a:rPr lang="en-US" altLang="ko-KR" sz="1600" dirty="0">
-                <a:solidFill>
-                  <a:schemeClr val="tx1"/>
-                </a:solidFill>
-              </a:rPr>
+            <a:pPr algn="ctr"/>
+            <a:endParaRPr lang="ko-KR" altLang="en-US"/>
+          </a:p>
+        </p:txBody>
+      </p:sp>
+      <p:sp>
+        <p:nvSpPr>
+          <p:cNvPr id="14" name="직사각형 13">
+            <a:extLst>
+              <a:ext uri="{FF2B5EF4-FFF2-40B4-BE49-F238E27FC236}">
+                <a16:creationId xmlns:a16="http://schemas.microsoft.com/office/drawing/2014/main" id="{C4CE0BEF-80CE-4E6B-B54F-D96A9906F27D}"/>
+              </a:ext>
+            </a:extLst>
+          </p:cNvPr>
+          <p:cNvSpPr/>
+          <p:nvPr/>
+        </p:nvSpPr>
+        <p:spPr>
+          <a:xfrm>
+            <a:off x="377990" y="3506598"/>
+            <a:ext cx="5718009" cy="778762"/>
+          </a:xfrm>
+          <a:prstGeom prst="rect">
+            <a:avLst/>
+          </a:prstGeom>
+          <a:noFill/>
+          <a:ln w="38100">
+            <a:solidFill>
+              <a:srgbClr val="FF0000"/>
+            </a:solidFill>
+          </a:ln>
+        </p:spPr>
+        <p:style>
+          <a:lnRef idx="2">
+            <a:schemeClr val="accent1">
+              <a:shade val="50000"/>
+            </a:schemeClr>
+          </a:lnRef>
+          <a:fillRef idx="1">
+            <a:schemeClr val="accent1"/>
+          </a:fillRef>
+          <a:effectRef idx="0">
+            <a:schemeClr val="accent1"/>
+          </a:effectRef>
+          <a:fontRef idx="minor">
+            <a:schemeClr val="lt1"/>
+          </a:fontRef>
+        </p:style>
+        <p:txBody>
+          <a:bodyPr rtlCol="0" anchor="ctr"/>
+          <a:lstStyle/>
+          <a:p>
+            <a:pPr algn="ctr"/>
+            <a:endParaRPr lang="ko-KR" altLang="en-US"/>
+          </a:p>
+        </p:txBody>
+      </p:sp>
+      <p:cxnSp>
+        <p:nvCxnSpPr>
+          <p:cNvPr id="15" name="직선 화살표 연결선 14">
+            <a:extLst>
+              <a:ext uri="{FF2B5EF4-FFF2-40B4-BE49-F238E27FC236}">
+                <a16:creationId xmlns:a16="http://schemas.microsoft.com/office/drawing/2014/main" id="{BCE0FEEF-A6E9-4E94-95CB-3CCFB09DF658}"/>
+              </a:ext>
+            </a:extLst>
+          </p:cNvPr>
+          <p:cNvCxnSpPr>
+            <a:stCxn id="7" idx="3"/>
+          </p:cNvCxnSpPr>
+          <p:nvPr/>
+        </p:nvCxnSpPr>
+        <p:spPr>
+          <a:xfrm flipV="1">
+            <a:off x="1862356" y="2432807"/>
+            <a:ext cx="5998128" cy="25168"/>
+          </a:xfrm>
+          <a:prstGeom prst="straightConnector1">
+            <a:avLst/>
+          </a:prstGeom>
+          <a:ln w="38100">
+            <a:solidFill>
+              <a:srgbClr val="FF0000"/>
+            </a:solidFill>
+            <a:tailEnd type="triangle"/>
+          </a:ln>
+        </p:spPr>
+        <p:style>
+          <a:lnRef idx="1">
+            <a:schemeClr val="accent1"/>
+          </a:lnRef>
+          <a:fillRef idx="0">
+            <a:schemeClr val="accent1"/>
+          </a:fillRef>
+          <a:effectRef idx="0">
+            <a:schemeClr val="accent1"/>
+          </a:effectRef>
+          <a:fontRef idx="minor">
+            <a:schemeClr val="tx1"/>
+          </a:fontRef>
+        </p:style>
+      </p:cxnSp>
+      <p:cxnSp>
+        <p:nvCxnSpPr>
+          <p:cNvPr id="18" name="연결선: 꺾임 17">
+            <a:extLst>
+              <a:ext uri="{FF2B5EF4-FFF2-40B4-BE49-F238E27FC236}">
+                <a16:creationId xmlns:a16="http://schemas.microsoft.com/office/drawing/2014/main" id="{5E51069A-7BBA-40DD-9376-48665E2C0769}"/>
+              </a:ext>
+            </a:extLst>
+          </p:cNvPr>
+          <p:cNvCxnSpPr>
+            <a:cxnSpLocks/>
+          </p:cNvCxnSpPr>
+          <p:nvPr/>
+        </p:nvCxnSpPr>
+        <p:spPr>
+          <a:xfrm>
+            <a:off x="377990" y="4285360"/>
+            <a:ext cx="914400" cy="914400"/>
+          </a:xfrm>
+          <a:prstGeom prst="bentConnector3">
+            <a:avLst/>
+          </a:prstGeom>
+          <a:ln w="28575">
+            <a:solidFill>
+              <a:srgbClr val="FF0000"/>
+            </a:solidFill>
+            <a:tailEnd type="triangle"/>
+          </a:ln>
+        </p:spPr>
+        <p:style>
+          <a:lnRef idx="1">
+            <a:schemeClr val="accent1"/>
+          </a:lnRef>
+          <a:fillRef idx="0">
+            <a:schemeClr val="accent1"/>
+          </a:fillRef>
+          <a:effectRef idx="0">
+            <a:schemeClr val="accent1"/>
+          </a:effectRef>
+          <a:fontRef idx="minor">
+            <a:schemeClr val="tx1"/>
+          </a:fontRef>
+        </p:style>
+      </p:cxnSp>
+      <p:sp>
+        <p:nvSpPr>
+          <p:cNvPr id="20" name="TextBox 19">
+            <a:extLst>
+              <a:ext uri="{FF2B5EF4-FFF2-40B4-BE49-F238E27FC236}">
+                <a16:creationId xmlns:a16="http://schemas.microsoft.com/office/drawing/2014/main" id="{AE3A2E48-AE51-4D48-9ECE-3FFE1BE65A5F}"/>
+              </a:ext>
+            </a:extLst>
+          </p:cNvPr>
+          <p:cNvSpPr txBox="1"/>
+          <p:nvPr/>
+        </p:nvSpPr>
+        <p:spPr>
+          <a:xfrm>
+            <a:off x="1292390" y="4888992"/>
+            <a:ext cx="3201798" cy="584775"/>
+          </a:xfrm>
+          <a:prstGeom prst="rect">
+            <a:avLst/>
+          </a:prstGeom>
+          <a:noFill/>
+          <a:ln>
+            <a:solidFill>
+              <a:schemeClr val="accent1"/>
+            </a:solidFill>
+          </a:ln>
+        </p:spPr>
+        <p:txBody>
+          <a:bodyPr wrap="square" rtlCol="0">
+            <a:spAutoFit/>
+          </a:bodyPr>
+          <a:lstStyle/>
+          <a:p>
+            <a:r>
+              <a:rPr lang="en-US" altLang="ko-KR" sz="1600" dirty="0" err="1"/>
+              <a:t>run_enzyme</a:t>
+            </a:r>
+            <a:r>
+              <a:rPr lang="en-US" altLang="ko-KR" sz="1600" dirty="0"/>
+              <a:t> </a:t>
+            </a:r>
+            <a:r>
+              <a:rPr lang="ko-KR" altLang="en-US" sz="1600" dirty="0"/>
+              <a:t>함수</a:t>
+            </a:r>
+            <a:endParaRPr lang="en-US" altLang="ko-KR" sz="1600" dirty="0"/>
+          </a:p>
+          <a:p>
+            <a:r>
+              <a:rPr lang="en-US" altLang="ko-KR" sz="1600" dirty="0"/>
+              <a:t>enzyme </a:t>
+            </a:r>
+            <a:r>
+              <a:rPr lang="ko-KR" altLang="en-US" sz="1600" dirty="0"/>
+              <a:t>쓰레드가 수행하는 함수</a:t>
+            </a:r>
+          </a:p>
+        </p:txBody>
+      </p:sp>
+      <p:sp>
+        <p:nvSpPr>
+          <p:cNvPr id="21" name="TextBox 20">
+            <a:extLst>
+              <a:ext uri="{FF2B5EF4-FFF2-40B4-BE49-F238E27FC236}">
+                <a16:creationId xmlns:a16="http://schemas.microsoft.com/office/drawing/2014/main" id="{BE9FD5D8-81E7-4412-9DEB-0B19322D2F1C}"/>
+              </a:ext>
+            </a:extLst>
+          </p:cNvPr>
+          <p:cNvSpPr txBox="1"/>
+          <p:nvPr/>
+        </p:nvSpPr>
+        <p:spPr>
+          <a:xfrm>
+            <a:off x="7935985" y="4888992"/>
+            <a:ext cx="3967993" cy="338554"/>
+          </a:xfrm>
+          <a:prstGeom prst="rect">
+            <a:avLst/>
+          </a:prstGeom>
+          <a:noFill/>
+          <a:ln>
+            <a:solidFill>
+              <a:schemeClr val="accent1"/>
+            </a:solidFill>
+          </a:ln>
+        </p:spPr>
+        <p:txBody>
+          <a:bodyPr wrap="square" rtlCol="0">
+            <a:spAutoFit/>
+          </a:bodyPr>
+          <a:lstStyle/>
+          <a:p>
+            <a:r>
+              <a:rPr lang="en-US" altLang="ko-KR" sz="1600" dirty="0"/>
+              <a:t>smp2_main : </a:t>
+            </a:r>
+            <a:r>
+              <a:rPr lang="ko-KR" altLang="en-US" sz="1600" dirty="0"/>
+              <a:t>이 프로그램의 </a:t>
+            </a:r>
+            <a:r>
+              <a:rPr lang="en-US" altLang="ko-KR" sz="1600" dirty="0"/>
+              <a:t>main </a:t>
+            </a:r>
+            <a:r>
+              <a:rPr lang="ko-KR" altLang="en-US" sz="1600" dirty="0"/>
+              <a:t>함수</a:t>
+            </a:r>
+          </a:p>
+        </p:txBody>
+      </p:sp>
+      <p:sp>
+        <p:nvSpPr>
+          <p:cNvPr id="22" name="TextBox 21">
+            <a:extLst>
+              <a:ext uri="{FF2B5EF4-FFF2-40B4-BE49-F238E27FC236}">
+                <a16:creationId xmlns:a16="http://schemas.microsoft.com/office/drawing/2014/main" id="{51EFB624-0AF3-48C2-A7EC-D46CF3A7D54E}"/>
+              </a:ext>
+            </a:extLst>
+          </p:cNvPr>
+          <p:cNvSpPr txBox="1"/>
+          <p:nvPr/>
+        </p:nvSpPr>
+        <p:spPr>
+          <a:xfrm>
+            <a:off x="4569689" y="4888992"/>
+            <a:ext cx="3290795" cy="830997"/>
+          </a:xfrm>
+          <a:prstGeom prst="rect">
+            <a:avLst/>
+          </a:prstGeom>
+          <a:noFill/>
+          <a:ln>
+            <a:solidFill>
+              <a:schemeClr val="accent1"/>
+            </a:solidFill>
+          </a:ln>
+        </p:spPr>
+        <p:txBody>
+          <a:bodyPr wrap="square" rtlCol="0">
+            <a:spAutoFit/>
+          </a:bodyPr>
+          <a:lstStyle/>
+          <a:p>
+            <a:r>
+              <a:rPr lang="en-US" altLang="ko-KR" sz="1600" dirty="0" err="1"/>
+              <a:t>join_on_enzymes</a:t>
+            </a:r>
+            <a:r>
+              <a:rPr lang="en-US" altLang="ko-KR" sz="1600" dirty="0"/>
+              <a:t> </a:t>
+            </a:r>
+            <a:r>
+              <a:rPr lang="ko-KR" altLang="en-US" sz="1600" dirty="0"/>
+              <a:t>함수</a:t>
+            </a:r>
+            <a:endParaRPr lang="en-US" altLang="ko-KR" sz="1600" dirty="0"/>
+          </a:p>
+          <a:p>
+            <a:r>
+              <a:rPr lang="en-US" altLang="ko-KR" sz="1600" dirty="0"/>
+              <a:t>enzyme </a:t>
+            </a:r>
+            <a:r>
+              <a:rPr lang="ko-KR" altLang="en-US" sz="1600" dirty="0"/>
+              <a:t>쓰레드들을 종료 시키고</a:t>
+            </a:r>
+            <a:r>
+              <a:rPr lang="en-US" altLang="ko-KR" sz="1600" dirty="0"/>
+              <a:t>,</a:t>
+            </a:r>
+          </a:p>
+          <a:p>
+            <a:r>
+              <a:rPr lang="ko-KR" altLang="en-US" sz="1600" dirty="0" err="1"/>
+              <a:t>스왑</a:t>
+            </a:r>
+            <a:r>
+              <a:rPr lang="en-US" altLang="ko-KR" sz="1600" dirty="0"/>
               <a:t>(</a:t>
             </a:r>
             <a:r>
-              <a:rPr lang="ko-KR" altLang="en-US" sz="1600" dirty="0">
-                <a:solidFill>
-                  <a:schemeClr val="tx1"/>
-                </a:solidFill>
-              </a:rPr>
-              <a:t>문자열을 받지 않은 경우</a:t>
-            </a:r>
-            <a:r>
-              <a:rPr lang="en-US" altLang="ko-KR" sz="1600" dirty="0">
-                <a:solidFill>
-                  <a:schemeClr val="tx1"/>
-                </a:solidFill>
-              </a:rPr>
-              <a:t>) </a:t>
-            </a:r>
-            <a:r>
-              <a:rPr lang="ko-KR" altLang="en-US" sz="1600" dirty="0">
-                <a:solidFill>
-                  <a:schemeClr val="tx1"/>
-                </a:solidFill>
-              </a:rPr>
-              <a:t>사용법을 출력하고 프로그램을 종료함</a:t>
-            </a:r>
-            <a:r>
-              <a:rPr lang="en-US" altLang="ko-KR" sz="1600" dirty="0">
-                <a:solidFill>
-                  <a:schemeClr val="tx1"/>
-                </a:solidFill>
-              </a:rPr>
+              <a:rPr lang="ko-KR" altLang="en-US" sz="1600" dirty="0"/>
+              <a:t>정렬</a:t>
+            </a:r>
+            <a:r>
+              <a:rPr lang="en-US" altLang="ko-KR" sz="1600" dirty="0"/>
+              <a:t>)</a:t>
+            </a:r>
+            <a:r>
+              <a:rPr lang="ko-KR" altLang="en-US" sz="1600" dirty="0"/>
+              <a:t>횟수를 세는 함수</a:t>
+            </a:r>
+          </a:p>
+        </p:txBody>
+      </p:sp>
+      <p:sp>
+        <p:nvSpPr>
+          <p:cNvPr id="23" name="TextBox 22">
+            <a:extLst>
+              <a:ext uri="{FF2B5EF4-FFF2-40B4-BE49-F238E27FC236}">
+                <a16:creationId xmlns:a16="http://schemas.microsoft.com/office/drawing/2014/main" id="{7B3B28BC-59F3-466C-88A8-30A09137C2B6}"/>
+              </a:ext>
+            </a:extLst>
+          </p:cNvPr>
+          <p:cNvSpPr txBox="1"/>
+          <p:nvPr/>
+        </p:nvSpPr>
+        <p:spPr>
+          <a:xfrm>
+            <a:off x="1292390" y="5803392"/>
+            <a:ext cx="3967993" cy="584775"/>
+          </a:xfrm>
+          <a:prstGeom prst="rect">
+            <a:avLst/>
+          </a:prstGeom>
+          <a:noFill/>
+          <a:ln>
+            <a:solidFill>
+              <a:schemeClr val="accent1"/>
+            </a:solidFill>
+          </a:ln>
+        </p:spPr>
+        <p:txBody>
+          <a:bodyPr wrap="square" rtlCol="0">
+            <a:spAutoFit/>
+          </a:bodyPr>
+          <a:lstStyle/>
+          <a:p>
+            <a:r>
+              <a:rPr lang="en-US" altLang="ko-KR" sz="1600" dirty="0" err="1"/>
+              <a:t>make_enzyme_threads</a:t>
+            </a:r>
+            <a:endParaRPr lang="en-US" altLang="ko-KR" sz="1600" dirty="0"/>
+          </a:p>
+          <a:p>
+            <a:r>
+              <a:rPr lang="en-US" altLang="ko-KR" sz="1600" dirty="0"/>
+              <a:t>enzyme </a:t>
+            </a:r>
+            <a:r>
+              <a:rPr lang="ko-KR" altLang="en-US" sz="1600" dirty="0"/>
+              <a:t>쓰레드를 생성하는 함수</a:t>
+            </a:r>
+            <a:r>
+              <a:rPr lang="en-US" altLang="ko-KR" sz="1600" dirty="0"/>
               <a:t>.</a:t>
             </a:r>
-          </a:p>
-          <a:p>
-            <a:pPr marL="285750" indent="-285750">
-              <a:buFont typeface="Wingdings" panose="05000000000000000000" pitchFamily="2" charset="2"/>
-              <a:buChar char="Ø"/>
-            </a:pPr>
-            <a:endParaRPr lang="en-US" altLang="ko-KR" sz="1600" dirty="0">
-              <a:solidFill>
-                <a:schemeClr val="tx1"/>
-              </a:solidFill>
-            </a:endParaRPr>
-          </a:p>
-          <a:p>
-            <a:pPr marL="285750" indent="-285750">
-              <a:buFont typeface="Wingdings" panose="05000000000000000000" pitchFamily="2" charset="2"/>
-              <a:buChar char="Ø"/>
-            </a:pPr>
-            <a:r>
-              <a:rPr lang="en-US" altLang="ko-KR" sz="1600" dirty="0" err="1">
-                <a:solidFill>
-                  <a:schemeClr val="tx1"/>
-                </a:solidFill>
-              </a:rPr>
-              <a:t>strncpy</a:t>
-            </a:r>
-            <a:r>
-              <a:rPr lang="ko-KR" altLang="en-US" sz="1600" dirty="0">
-                <a:solidFill>
-                  <a:schemeClr val="tx1"/>
-                </a:solidFill>
-              </a:rPr>
-              <a:t>를 통해 매개변수로 받은 문자열을 </a:t>
-            </a:r>
-            <a:r>
-              <a:rPr lang="en-US" altLang="ko-KR" sz="1600" dirty="0">
-                <a:solidFill>
-                  <a:schemeClr val="tx1"/>
-                </a:solidFill>
-              </a:rPr>
-              <a:t>string </a:t>
-            </a:r>
-            <a:r>
-              <a:rPr lang="ko-KR" altLang="en-US" sz="1600" dirty="0">
-                <a:solidFill>
-                  <a:schemeClr val="tx1"/>
-                </a:solidFill>
-              </a:rPr>
-              <a:t>문자열에 복사함</a:t>
-            </a:r>
-            <a:r>
-              <a:rPr lang="en-US" altLang="ko-KR" sz="1600" dirty="0">
-                <a:solidFill>
-                  <a:schemeClr val="tx1"/>
-                </a:solidFill>
-              </a:rPr>
-              <a:t>.</a:t>
-            </a:r>
-          </a:p>
-          <a:p>
-            <a:pPr marL="285750" indent="-285750">
-              <a:buFont typeface="Wingdings" panose="05000000000000000000" pitchFamily="2" charset="2"/>
-              <a:buChar char="Ø"/>
-            </a:pPr>
-            <a:endParaRPr lang="en-US" altLang="ko-KR" sz="1600" dirty="0">
-              <a:solidFill>
-                <a:schemeClr val="tx1"/>
-              </a:solidFill>
-            </a:endParaRPr>
-          </a:p>
-          <a:p>
-            <a:pPr marL="285750" indent="-285750">
-              <a:buFont typeface="Wingdings" panose="05000000000000000000" pitchFamily="2" charset="2"/>
-              <a:buChar char="Ø"/>
-            </a:pPr>
-            <a:r>
-              <a:rPr lang="en-US" altLang="ko-KR" sz="1600" dirty="0" err="1">
-                <a:solidFill>
-                  <a:schemeClr val="tx1"/>
-                </a:solidFill>
-              </a:rPr>
-              <a:t>make_enzyme_threads</a:t>
-            </a:r>
-            <a:r>
-              <a:rPr lang="en-US" altLang="ko-KR" sz="1600" dirty="0">
-                <a:solidFill>
-                  <a:schemeClr val="tx1"/>
-                </a:solidFill>
-              </a:rPr>
-              <a:t> </a:t>
-            </a:r>
-            <a:r>
-              <a:rPr lang="ko-KR" altLang="en-US" sz="1600" dirty="0">
-                <a:solidFill>
-                  <a:schemeClr val="tx1"/>
-                </a:solidFill>
-              </a:rPr>
-              <a:t>함수를 호출하여 쓰레드를 생성하고</a:t>
-            </a:r>
-            <a:r>
-              <a:rPr lang="en-US" altLang="ko-KR" sz="1600" dirty="0">
-                <a:solidFill>
-                  <a:schemeClr val="tx1"/>
-                </a:solidFill>
-              </a:rPr>
-              <a:t>, </a:t>
-            </a:r>
-            <a:r>
-              <a:rPr lang="ko-KR" altLang="en-US" sz="1600" dirty="0">
-                <a:solidFill>
-                  <a:schemeClr val="tx1"/>
-                </a:solidFill>
-              </a:rPr>
-              <a:t>변수 </a:t>
-            </a:r>
-            <a:r>
-              <a:rPr lang="en-US" altLang="ko-KR" sz="1600" dirty="0">
-                <a:solidFill>
-                  <a:schemeClr val="tx1"/>
-                </a:solidFill>
-              </a:rPr>
-              <a:t>n</a:t>
-            </a:r>
-            <a:r>
-              <a:rPr lang="ko-KR" altLang="en-US" sz="1600" dirty="0">
-                <a:solidFill>
-                  <a:schemeClr val="tx1"/>
-                </a:solidFill>
-              </a:rPr>
-              <a:t>에</a:t>
-            </a:r>
-            <a:r>
-              <a:rPr lang="en-US" altLang="ko-KR" sz="1600" dirty="0">
-                <a:solidFill>
-                  <a:schemeClr val="tx1"/>
-                </a:solidFill>
-              </a:rPr>
-              <a:t> </a:t>
-            </a:r>
-            <a:r>
-              <a:rPr lang="ko-KR" altLang="en-US" sz="1600" dirty="0">
-                <a:solidFill>
-                  <a:schemeClr val="tx1"/>
-                </a:solidFill>
-              </a:rPr>
-              <a:t>생성된 쓰레드의 개수를 저장하고</a:t>
-            </a:r>
-            <a:r>
-              <a:rPr lang="en-US" altLang="ko-KR" sz="1600" dirty="0">
-                <a:solidFill>
-                  <a:schemeClr val="tx1"/>
-                </a:solidFill>
-              </a:rPr>
-              <a:t>, </a:t>
-            </a:r>
-            <a:r>
-              <a:rPr lang="ko-KR" altLang="en-US" sz="1600" dirty="0">
-                <a:solidFill>
-                  <a:schemeClr val="tx1"/>
-                </a:solidFill>
-              </a:rPr>
-              <a:t>이를 출력함</a:t>
-            </a:r>
-            <a:r>
-              <a:rPr lang="en-US" altLang="ko-KR" sz="1600" dirty="0">
-                <a:solidFill>
-                  <a:schemeClr val="tx1"/>
-                </a:solidFill>
-              </a:rPr>
-              <a:t>.</a:t>
-            </a:r>
-          </a:p>
-          <a:p>
-            <a:pPr marL="285750" indent="-285750">
-              <a:buFont typeface="Wingdings" panose="05000000000000000000" pitchFamily="2" charset="2"/>
-              <a:buChar char="Ø"/>
-            </a:pPr>
-            <a:endParaRPr lang="en-US" altLang="ko-KR" sz="1600" dirty="0">
-              <a:solidFill>
-                <a:schemeClr val="tx1"/>
-              </a:solidFill>
-            </a:endParaRPr>
-          </a:p>
-          <a:p>
-            <a:pPr marL="285750" indent="-285750">
-              <a:buFont typeface="Wingdings" panose="05000000000000000000" pitchFamily="2" charset="2"/>
-              <a:buChar char="Ø"/>
-            </a:pPr>
-            <a:r>
-              <a:rPr lang="en-US" altLang="ko-KR" sz="1600" dirty="0" err="1">
-                <a:solidFill>
-                  <a:schemeClr val="tx1"/>
-                </a:solidFill>
-              </a:rPr>
-              <a:t>sleeper_func</a:t>
-            </a:r>
-            <a:r>
-              <a:rPr lang="en-US" altLang="ko-KR" sz="1600" dirty="0">
-                <a:solidFill>
-                  <a:schemeClr val="tx1"/>
-                </a:solidFill>
-              </a:rPr>
-              <a:t> </a:t>
-            </a:r>
-            <a:r>
-              <a:rPr lang="ko-KR" altLang="en-US" sz="1600" dirty="0">
-                <a:solidFill>
-                  <a:schemeClr val="tx1"/>
-                </a:solidFill>
-              </a:rPr>
-              <a:t>함수를 호출하여</a:t>
-            </a:r>
-            <a:r>
-              <a:rPr lang="en-US" altLang="ko-KR" sz="1600" dirty="0">
-                <a:solidFill>
-                  <a:schemeClr val="tx1"/>
-                </a:solidFill>
-              </a:rPr>
-              <a:t>, </a:t>
-            </a:r>
-            <a:r>
-              <a:rPr lang="ko-KR" altLang="en-US" sz="1600" dirty="0">
-                <a:solidFill>
-                  <a:schemeClr val="tx1"/>
-                </a:solidFill>
-              </a:rPr>
-              <a:t>정렬이 </a:t>
-            </a:r>
-            <a:r>
-              <a:rPr lang="en-US" altLang="ko-KR" sz="1600" dirty="0">
-                <a:solidFill>
-                  <a:schemeClr val="tx1"/>
-                </a:solidFill>
-              </a:rPr>
-              <a:t>5</a:t>
-            </a:r>
-            <a:r>
-              <a:rPr lang="ko-KR" altLang="en-US" sz="1600" dirty="0">
-                <a:solidFill>
-                  <a:schemeClr val="tx1"/>
-                </a:solidFill>
-              </a:rPr>
-              <a:t>초 이상 지연되는 경우 프로그램을 </a:t>
-            </a:r>
-            <a:r>
-              <a:rPr lang="ko-KR" altLang="en-US" sz="1600" dirty="0" err="1">
-                <a:solidFill>
-                  <a:schemeClr val="tx1"/>
-                </a:solidFill>
-              </a:rPr>
-              <a:t>종료시킴</a:t>
-            </a:r>
-            <a:r>
-              <a:rPr lang="en-US" altLang="ko-KR" sz="1600" dirty="0">
-                <a:solidFill>
-                  <a:schemeClr val="tx1"/>
-                </a:solidFill>
-              </a:rPr>
-              <a:t>.</a:t>
-            </a:r>
-          </a:p>
-          <a:p>
-            <a:pPr marL="285750" indent="-285750">
-              <a:buFont typeface="Wingdings" panose="05000000000000000000" pitchFamily="2" charset="2"/>
-              <a:buChar char="Ø"/>
-            </a:pPr>
-            <a:endParaRPr lang="en-US" altLang="ko-KR" sz="1600" dirty="0">
-              <a:solidFill>
-                <a:schemeClr val="tx1"/>
-              </a:solidFill>
-            </a:endParaRPr>
-          </a:p>
-          <a:p>
-            <a:pPr marL="285750" indent="-285750">
-              <a:buFont typeface="Wingdings" panose="05000000000000000000" pitchFamily="2" charset="2"/>
-              <a:buChar char="Ø"/>
-            </a:pPr>
-            <a:r>
-              <a:rPr lang="en-US" altLang="ko-KR" sz="1600" dirty="0" err="1">
-                <a:solidFill>
-                  <a:schemeClr val="tx1"/>
-                </a:solidFill>
-              </a:rPr>
-              <a:t>wait_till_done</a:t>
-            </a:r>
-            <a:r>
-              <a:rPr lang="en-US" altLang="ko-KR" sz="1600" dirty="0">
-                <a:solidFill>
-                  <a:schemeClr val="tx1"/>
-                </a:solidFill>
-              </a:rPr>
-              <a:t> </a:t>
-            </a:r>
-            <a:r>
-              <a:rPr lang="ko-KR" altLang="en-US" sz="1600" dirty="0">
-                <a:solidFill>
-                  <a:schemeClr val="tx1"/>
-                </a:solidFill>
-              </a:rPr>
-              <a:t>함수를 통해 정렬이 완료될 때까지 대기함</a:t>
-            </a:r>
-            <a:r>
-              <a:rPr lang="en-US" altLang="ko-KR" sz="1600" dirty="0">
-                <a:solidFill>
-                  <a:schemeClr val="tx1"/>
-                </a:solidFill>
-              </a:rPr>
-              <a:t>.</a:t>
-            </a:r>
-          </a:p>
-          <a:p>
-            <a:pPr marL="285750" indent="-285750">
-              <a:buFont typeface="Wingdings" panose="05000000000000000000" pitchFamily="2" charset="2"/>
-              <a:buChar char="Ø"/>
-            </a:pPr>
-            <a:endParaRPr lang="en-US" altLang="ko-KR" sz="1600" dirty="0">
-              <a:solidFill>
-                <a:schemeClr val="tx1"/>
-              </a:solidFill>
-            </a:endParaRPr>
-          </a:p>
-          <a:p>
-            <a:pPr marL="285750" indent="-285750">
-              <a:buFont typeface="Wingdings" panose="05000000000000000000" pitchFamily="2" charset="2"/>
-              <a:buChar char="Ø"/>
-            </a:pPr>
-            <a:r>
-              <a:rPr lang="ko-KR" altLang="en-US" sz="1600" dirty="0">
-                <a:solidFill>
-                  <a:schemeClr val="tx1"/>
-                </a:solidFill>
-              </a:rPr>
-              <a:t>정렬이 완료된 경우</a:t>
-            </a:r>
-            <a:r>
-              <a:rPr lang="en-US" altLang="ko-KR" sz="1600" dirty="0">
-                <a:solidFill>
-                  <a:schemeClr val="tx1"/>
-                </a:solidFill>
-              </a:rPr>
-              <a:t>, </a:t>
-            </a:r>
-            <a:r>
-              <a:rPr lang="en-US" altLang="ko-KR" sz="1600" dirty="0" err="1">
-                <a:solidFill>
-                  <a:schemeClr val="tx1"/>
-                </a:solidFill>
-              </a:rPr>
-              <a:t>join_on_enzymes</a:t>
-            </a:r>
-            <a:r>
-              <a:rPr lang="en-US" altLang="ko-KR" sz="1600" dirty="0">
-                <a:solidFill>
-                  <a:schemeClr val="tx1"/>
-                </a:solidFill>
-              </a:rPr>
-              <a:t> </a:t>
-            </a:r>
-            <a:r>
-              <a:rPr lang="ko-KR" altLang="en-US" sz="1600" dirty="0">
-                <a:solidFill>
-                  <a:schemeClr val="tx1"/>
-                </a:solidFill>
-              </a:rPr>
-              <a:t>함수를 호출하여 문자 </a:t>
-            </a:r>
-            <a:r>
-              <a:rPr lang="ko-KR" altLang="en-US" sz="1600" dirty="0" err="1">
-                <a:solidFill>
-                  <a:schemeClr val="tx1"/>
-                </a:solidFill>
-              </a:rPr>
-              <a:t>스왑</a:t>
-            </a:r>
-            <a:r>
-              <a:rPr lang="ko-KR" altLang="en-US" sz="1600" dirty="0">
-                <a:solidFill>
-                  <a:schemeClr val="tx1"/>
-                </a:solidFill>
-              </a:rPr>
-              <a:t> 횟수를 </a:t>
-            </a:r>
-            <a:r>
-              <a:rPr lang="en-US" altLang="ko-KR" sz="1600" dirty="0" err="1">
-                <a:solidFill>
-                  <a:schemeClr val="tx1"/>
-                </a:solidFill>
-              </a:rPr>
-              <a:t>totalswap</a:t>
-            </a:r>
-            <a:r>
-              <a:rPr lang="en-US" altLang="ko-KR" sz="1600" dirty="0">
-                <a:solidFill>
-                  <a:schemeClr val="tx1"/>
-                </a:solidFill>
-              </a:rPr>
-              <a:t> </a:t>
-            </a:r>
-            <a:r>
-              <a:rPr lang="ko-KR" altLang="en-US" sz="1600" dirty="0">
-                <a:solidFill>
-                  <a:schemeClr val="tx1"/>
-                </a:solidFill>
-              </a:rPr>
-              <a:t>변수에 저장하고</a:t>
-            </a:r>
-            <a:r>
-              <a:rPr lang="en-US" altLang="ko-KR" sz="1600" dirty="0">
-                <a:solidFill>
-                  <a:schemeClr val="tx1"/>
-                </a:solidFill>
-              </a:rPr>
-              <a:t>, </a:t>
-            </a:r>
-            <a:r>
-              <a:rPr lang="ko-KR" altLang="en-US" sz="1600" dirty="0">
-                <a:solidFill>
-                  <a:schemeClr val="tx1"/>
-                </a:solidFill>
-              </a:rPr>
-              <a:t>이를 출력함</a:t>
-            </a:r>
-            <a:r>
-              <a:rPr lang="en-US" altLang="ko-KR" sz="1600" dirty="0">
-                <a:solidFill>
-                  <a:schemeClr val="tx1"/>
-                </a:solidFill>
-              </a:rPr>
-              <a:t>.</a:t>
-            </a:r>
-          </a:p>
-          <a:p>
-            <a:pPr marL="285750" indent="-285750">
-              <a:buFont typeface="Wingdings" panose="05000000000000000000" pitchFamily="2" charset="2"/>
-              <a:buChar char="Ø"/>
-            </a:pPr>
-            <a:endParaRPr lang="en-US" altLang="ko-KR" sz="1600" dirty="0">
-              <a:solidFill>
-                <a:schemeClr val="tx1"/>
-              </a:solidFill>
-            </a:endParaRPr>
-          </a:p>
-          <a:p>
-            <a:pPr marL="285750" indent="-285750">
-              <a:buFont typeface="Wingdings" panose="05000000000000000000" pitchFamily="2" charset="2"/>
-              <a:buChar char="Ø"/>
-            </a:pPr>
-            <a:r>
-              <a:rPr lang="ko-KR" altLang="en-US" sz="1600" dirty="0">
-                <a:solidFill>
-                  <a:schemeClr val="tx1"/>
-                </a:solidFill>
-              </a:rPr>
-              <a:t>마지막으로 총 </a:t>
-            </a:r>
-            <a:r>
-              <a:rPr lang="ko-KR" altLang="en-US" sz="1600" dirty="0" err="1">
-                <a:solidFill>
-                  <a:schemeClr val="tx1"/>
-                </a:solidFill>
-              </a:rPr>
-              <a:t>스왑</a:t>
-            </a:r>
-            <a:r>
-              <a:rPr lang="ko-KR" altLang="en-US" sz="1600" dirty="0">
-                <a:solidFill>
-                  <a:schemeClr val="tx1"/>
-                </a:solidFill>
-              </a:rPr>
-              <a:t> 횟수와 정렬된 문자열을 출력하고 프로그램이</a:t>
-            </a:r>
-            <a:r>
-              <a:rPr lang="en-US" altLang="ko-KR" sz="1600" dirty="0">
-                <a:solidFill>
-                  <a:schemeClr val="tx1"/>
-                </a:solidFill>
-              </a:rPr>
-              <a:t> </a:t>
-            </a:r>
-            <a:r>
-              <a:rPr lang="ko-KR" altLang="en-US" sz="1600" dirty="0">
-                <a:solidFill>
-                  <a:schemeClr val="tx1"/>
-                </a:solidFill>
-              </a:rPr>
-              <a:t>종료됨</a:t>
-            </a:r>
-            <a:r>
-              <a:rPr lang="en-US" altLang="ko-KR" sz="1600" dirty="0">
-                <a:solidFill>
-                  <a:schemeClr val="tx1"/>
-                </a:solidFill>
-              </a:rPr>
-              <a:t>.</a:t>
-            </a:r>
+            <a:endParaRPr lang="ko-KR" altLang="en-US" sz="1600" dirty="0"/>
           </a:p>
         </p:txBody>
       </p:sp>
     </p:spTree>
     <p:extLst>
       <p:ext uri="{BB962C8B-B14F-4D97-AF65-F5344CB8AC3E}">
-        <p14:creationId xmlns:p14="http://schemas.microsoft.com/office/powerpoint/2010/main" val="1370059477"/>
+        <p14:creationId xmlns:p14="http://schemas.microsoft.com/office/powerpoint/2010/main" val="45242797"/>
       </p:ext>
     </p:extLst>
   </p:cSld>
@@ -14298,25 +14270,21 @@
           <a:lstStyle/>
           <a:p>
             <a:r>
-              <a:rPr lang="en-US" altLang="ko-KR" sz="2000" b="1" dirty="0" err="1">
+              <a:rPr lang="en-US" altLang="ko-KR" sz="2000" b="1" dirty="0">
                 <a:latin typeface="나눔바른고딕 Light" panose="020B0603020101020101" pitchFamily="50" charset="-127"/>
                 <a:ea typeface="나눔바른고딕 Light" panose="020B0603020101020101" pitchFamily="50" charset="-127"/>
               </a:rPr>
-              <a:t>enzyme.h</a:t>
-            </a:r>
-            <a:endParaRPr lang="en-US" altLang="ko-KR" sz="2000" b="1" dirty="0">
-              <a:latin typeface="나눔바른고딕 Light" panose="020B0603020101020101" pitchFamily="50" charset="-127"/>
-              <a:ea typeface="나눔바른고딕 Light" panose="020B0603020101020101" pitchFamily="50" charset="-127"/>
-            </a:endParaRPr>
+              <a:t>smp2_main</a:t>
+            </a:r>
           </a:p>
         </p:txBody>
       </p:sp>
       <p:pic>
         <p:nvPicPr>
-          <p:cNvPr id="5" name="그림 4">
-            <a:extLst>
-              <a:ext uri="{FF2B5EF4-FFF2-40B4-BE49-F238E27FC236}">
-                <a16:creationId xmlns:a16="http://schemas.microsoft.com/office/drawing/2014/main" id="{0066574B-ABEF-4D36-87E4-B292ACCF567F}"/>
+          <p:cNvPr id="4" name="그림 3">
+            <a:extLst>
+              <a:ext uri="{FF2B5EF4-FFF2-40B4-BE49-F238E27FC236}">
+                <a16:creationId xmlns:a16="http://schemas.microsoft.com/office/drawing/2014/main" id="{53D80FE7-7A6B-4A00-BE95-439DF5B68CD2}"/>
               </a:ext>
             </a:extLst>
           </p:cNvPr>
@@ -14326,21 +14294,15 @@
           <p:nvPr/>
         </p:nvPicPr>
         <p:blipFill>
-          <a:blip r:embed="rId2">
-            <a:extLst>
-              <a:ext uri="{28A0092B-C50C-407E-A947-70E740481C1C}">
-                <a14:useLocalDpi xmlns:a14="http://schemas.microsoft.com/office/drawing/2010/main" val="0"/>
-              </a:ext>
-            </a:extLst>
-          </a:blip>
+          <a:blip r:embed="rId2"/>
           <a:stretch>
             <a:fillRect/>
           </a:stretch>
         </p:blipFill>
         <p:spPr>
           <a:xfrm>
-            <a:off x="242368" y="760618"/>
-            <a:ext cx="6773220" cy="3524742"/>
+            <a:off x="339294" y="708492"/>
+            <a:ext cx="5239385" cy="5950015"/>
           </a:xfrm>
           <a:prstGeom prst="rect">
             <a:avLst/>
@@ -14349,106 +14311,28 @@
       </p:pic>
       <p:sp>
         <p:nvSpPr>
-          <p:cNvPr id="6" name="TextBox 5">
-            <a:extLst>
-              <a:ext uri="{FF2B5EF4-FFF2-40B4-BE49-F238E27FC236}">
-                <a16:creationId xmlns:a16="http://schemas.microsoft.com/office/drawing/2014/main" id="{46FCB3FC-8A47-4529-9538-CFB901B9E13D}"/>
-              </a:ext>
-            </a:extLst>
-          </p:cNvPr>
-          <p:cNvSpPr txBox="1"/>
+          <p:cNvPr id="7" name="직사각형 6">
+            <a:extLst>
+              <a:ext uri="{FF2B5EF4-FFF2-40B4-BE49-F238E27FC236}">
+                <a16:creationId xmlns:a16="http://schemas.microsoft.com/office/drawing/2014/main" id="{4DF1B36C-1F0C-4367-8031-7EAD4425FA19}"/>
+              </a:ext>
+            </a:extLst>
+          </p:cNvPr>
+          <p:cNvSpPr/>
           <p:nvPr/>
         </p:nvSpPr>
         <p:spPr>
           <a:xfrm>
-            <a:off x="7860484" y="1944749"/>
-            <a:ext cx="3967993" cy="830997"/>
+            <a:off x="6095999" y="708492"/>
+            <a:ext cx="5756707" cy="5950015"/>
           </a:xfrm>
           <a:prstGeom prst="rect">
             <a:avLst/>
           </a:prstGeom>
           <a:noFill/>
-          <a:ln w="28575">
+          <a:ln w="19050">
             <a:solidFill>
-              <a:srgbClr val="FF0000"/>
-            </a:solidFill>
-          </a:ln>
-        </p:spPr>
-        <p:txBody>
-          <a:bodyPr wrap="square" rtlCol="0">
-            <a:spAutoFit/>
-          </a:bodyPr>
-          <a:lstStyle/>
-          <a:p>
-            <a:r>
-              <a:rPr lang="ko-KR" altLang="en-US" sz="1600" dirty="0"/>
-              <a:t>쓰레드의 정보를 가진 구조체</a:t>
-            </a:r>
-            <a:r>
-              <a:rPr lang="en-US" altLang="ko-KR" sz="1600" dirty="0"/>
-              <a:t>.</a:t>
-            </a:r>
-          </a:p>
-          <a:p>
-            <a:r>
-              <a:rPr lang="ko-KR" altLang="en-US" sz="1600" dirty="0"/>
-              <a:t>각 쓰레드는 하나의 문자열과</a:t>
-            </a:r>
-            <a:endParaRPr lang="en-US" altLang="ko-KR" sz="1600" dirty="0"/>
-          </a:p>
-          <a:p>
-            <a:r>
-              <a:rPr lang="ko-KR" altLang="en-US" sz="1600" dirty="0"/>
-              <a:t>하나의 정수형 변수</a:t>
-            </a:r>
-            <a:r>
-              <a:rPr lang="en-US" altLang="ko-KR" sz="1600" dirty="0"/>
-              <a:t>(</a:t>
-            </a:r>
-            <a:r>
-              <a:rPr lang="ko-KR" altLang="en-US" sz="1600" dirty="0"/>
-              <a:t>정렬 횟수</a:t>
-            </a:r>
-            <a:r>
-              <a:rPr lang="en-US" altLang="ko-KR" sz="1600" dirty="0"/>
-              <a:t>)</a:t>
-            </a:r>
-            <a:r>
-              <a:rPr lang="ko-KR" altLang="en-US" sz="1600" dirty="0"/>
-              <a:t>를 가짐</a:t>
-            </a:r>
-            <a:r>
-              <a:rPr lang="en-US" altLang="ko-KR" sz="1600" dirty="0"/>
-              <a:t>.</a:t>
-            </a:r>
-            <a:endParaRPr lang="ko-KR" altLang="en-US" sz="1600" dirty="0"/>
-          </a:p>
-        </p:txBody>
-      </p:sp>
-      <p:sp>
-        <p:nvSpPr>
-          <p:cNvPr id="7" name="직사각형 6">
-            <a:extLst>
-              <a:ext uri="{FF2B5EF4-FFF2-40B4-BE49-F238E27FC236}">
-                <a16:creationId xmlns:a16="http://schemas.microsoft.com/office/drawing/2014/main" id="{76948739-8E3B-45CE-8078-9C2652DF4124}"/>
-              </a:ext>
-            </a:extLst>
-          </p:cNvPr>
-          <p:cNvSpPr/>
-          <p:nvPr/>
-        </p:nvSpPr>
-        <p:spPr>
-          <a:xfrm>
-            <a:off x="242368" y="2114026"/>
-            <a:ext cx="1619988" cy="687897"/>
-          </a:xfrm>
-          <a:prstGeom prst="rect">
-            <a:avLst/>
-          </a:prstGeom>
-          <a:noFill/>
-          <a:ln w="38100">
-            <a:solidFill>
-              <a:srgbClr val="FF0000"/>
+              <a:schemeClr val="tx1"/>
             </a:solidFill>
           </a:ln>
         </p:spPr>
@@ -14472,407 +14356,598 @@
           <a:bodyPr rtlCol="0" anchor="ctr"/>
           <a:lstStyle/>
           <a:p>
-            <a:pPr algn="ctr"/>
-            <a:endParaRPr lang="ko-KR" altLang="en-US"/>
-          </a:p>
-        </p:txBody>
-      </p:sp>
-      <p:sp>
-        <p:nvSpPr>
-          <p:cNvPr id="14" name="직사각형 13">
-            <a:extLst>
-              <a:ext uri="{FF2B5EF4-FFF2-40B4-BE49-F238E27FC236}">
-                <a16:creationId xmlns:a16="http://schemas.microsoft.com/office/drawing/2014/main" id="{C4CE0BEF-80CE-4E6B-B54F-D96A9906F27D}"/>
-              </a:ext>
-            </a:extLst>
-          </p:cNvPr>
-          <p:cNvSpPr/>
-          <p:nvPr/>
-        </p:nvSpPr>
-        <p:spPr>
-          <a:xfrm>
-            <a:off x="377990" y="3506598"/>
-            <a:ext cx="5718009" cy="778762"/>
-          </a:xfrm>
-          <a:prstGeom prst="rect">
-            <a:avLst/>
-          </a:prstGeom>
-          <a:noFill/>
-          <a:ln w="38100">
-            <a:solidFill>
-              <a:srgbClr val="FF0000"/>
-            </a:solidFill>
-          </a:ln>
-        </p:spPr>
-        <p:style>
-          <a:lnRef idx="2">
-            <a:schemeClr val="accent1">
-              <a:shade val="50000"/>
-            </a:schemeClr>
-          </a:lnRef>
-          <a:fillRef idx="1">
-            <a:schemeClr val="accent1"/>
-          </a:fillRef>
-          <a:effectRef idx="0">
-            <a:schemeClr val="accent1"/>
-          </a:effectRef>
-          <a:fontRef idx="minor">
-            <a:schemeClr val="lt1"/>
-          </a:fontRef>
-        </p:style>
-        <p:txBody>
-          <a:bodyPr rtlCol="0" anchor="ctr"/>
-          <a:lstStyle/>
-          <a:p>
-            <a:pPr algn="ctr"/>
-            <a:endParaRPr lang="ko-KR" altLang="en-US"/>
-          </a:p>
-        </p:txBody>
-      </p:sp>
-      <p:cxnSp>
-        <p:nvCxnSpPr>
-          <p:cNvPr id="15" name="직선 화살표 연결선 14">
-            <a:extLst>
-              <a:ext uri="{FF2B5EF4-FFF2-40B4-BE49-F238E27FC236}">
-                <a16:creationId xmlns:a16="http://schemas.microsoft.com/office/drawing/2014/main" id="{BCE0FEEF-A6E9-4E94-95CB-3CCFB09DF658}"/>
-              </a:ext>
-            </a:extLst>
-          </p:cNvPr>
-          <p:cNvCxnSpPr>
-            <a:stCxn id="7" idx="3"/>
-          </p:cNvCxnSpPr>
-          <p:nvPr/>
-        </p:nvCxnSpPr>
-        <p:spPr>
-          <a:xfrm flipV="1">
-            <a:off x="1862356" y="2432807"/>
-            <a:ext cx="5998128" cy="25168"/>
-          </a:xfrm>
-          <a:prstGeom prst="straightConnector1">
-            <a:avLst/>
-          </a:prstGeom>
-          <a:ln w="38100">
-            <a:solidFill>
-              <a:srgbClr val="FF0000"/>
-            </a:solidFill>
-            <a:tailEnd type="triangle"/>
-          </a:ln>
-        </p:spPr>
-        <p:style>
-          <a:lnRef idx="1">
-            <a:schemeClr val="accent1"/>
-          </a:lnRef>
-          <a:fillRef idx="0">
-            <a:schemeClr val="accent1"/>
-          </a:fillRef>
-          <a:effectRef idx="0">
-            <a:schemeClr val="accent1"/>
-          </a:effectRef>
-          <a:fontRef idx="minor">
-            <a:schemeClr val="tx1"/>
-          </a:fontRef>
-        </p:style>
-      </p:cxnSp>
-      <p:cxnSp>
-        <p:nvCxnSpPr>
-          <p:cNvPr id="18" name="연결선: 꺾임 17">
-            <a:extLst>
-              <a:ext uri="{FF2B5EF4-FFF2-40B4-BE49-F238E27FC236}">
-                <a16:creationId xmlns:a16="http://schemas.microsoft.com/office/drawing/2014/main" id="{5E51069A-7BBA-40DD-9376-48665E2C0769}"/>
-              </a:ext>
-            </a:extLst>
-          </p:cNvPr>
-          <p:cNvCxnSpPr>
-            <a:cxnSpLocks/>
-          </p:cNvCxnSpPr>
-          <p:nvPr/>
-        </p:nvCxnSpPr>
-        <p:spPr>
-          <a:xfrm>
-            <a:off x="377990" y="4285360"/>
-            <a:ext cx="914400" cy="914400"/>
-          </a:xfrm>
-          <a:prstGeom prst="bentConnector3">
-            <a:avLst/>
-          </a:prstGeom>
-          <a:ln w="28575">
-            <a:solidFill>
-              <a:srgbClr val="FF0000"/>
-            </a:solidFill>
-            <a:tailEnd type="triangle"/>
-          </a:ln>
-        </p:spPr>
-        <p:style>
-          <a:lnRef idx="1">
-            <a:schemeClr val="accent1"/>
-          </a:lnRef>
-          <a:fillRef idx="0">
-            <a:schemeClr val="accent1"/>
-          </a:fillRef>
-          <a:effectRef idx="0">
-            <a:schemeClr val="accent1"/>
-          </a:effectRef>
-          <a:fontRef idx="minor">
-            <a:schemeClr val="tx1"/>
-          </a:fontRef>
-        </p:style>
-      </p:cxnSp>
-      <p:sp>
-        <p:nvSpPr>
-          <p:cNvPr id="20" name="TextBox 19">
-            <a:extLst>
-              <a:ext uri="{FF2B5EF4-FFF2-40B4-BE49-F238E27FC236}">
-                <a16:creationId xmlns:a16="http://schemas.microsoft.com/office/drawing/2014/main" id="{AE3A2E48-AE51-4D48-9ECE-3FFE1BE65A5F}"/>
-              </a:ext>
-            </a:extLst>
-          </p:cNvPr>
-          <p:cNvSpPr txBox="1"/>
-          <p:nvPr/>
-        </p:nvSpPr>
-        <p:spPr>
-          <a:xfrm>
-            <a:off x="1292390" y="4888992"/>
-            <a:ext cx="3201798" cy="584775"/>
-          </a:xfrm>
-          <a:prstGeom prst="rect">
-            <a:avLst/>
-          </a:prstGeom>
-          <a:noFill/>
-          <a:ln>
-            <a:solidFill>
-              <a:schemeClr val="accent1"/>
-            </a:solidFill>
-          </a:ln>
-        </p:spPr>
-        <p:txBody>
-          <a:bodyPr wrap="square" rtlCol="0">
-            <a:spAutoFit/>
-          </a:bodyPr>
-          <a:lstStyle/>
-          <a:p>
-            <a:r>
-              <a:rPr lang="en-US" altLang="ko-KR" sz="1600" dirty="0" err="1"/>
-              <a:t>run_enzyme</a:t>
-            </a:r>
-            <a:r>
-              <a:rPr lang="en-US" altLang="ko-KR" sz="1600" dirty="0"/>
+            <a:pPr marL="285750" indent="-285750">
+              <a:buFont typeface="Wingdings" panose="05000000000000000000" pitchFamily="2" charset="2"/>
+              <a:buChar char="Ø"/>
+            </a:pPr>
+            <a:r>
+              <a:rPr lang="ko-KR" altLang="en-US" sz="1600" dirty="0">
+                <a:solidFill>
+                  <a:schemeClr val="tx1"/>
+                </a:solidFill>
+              </a:rPr>
+              <a:t>매개변수로 받은 문자열의 문자 개수가 </a:t>
+            </a:r>
+            <a:r>
+              <a:rPr lang="en-US" altLang="ko-KR" sz="1600" dirty="0">
+                <a:solidFill>
+                  <a:schemeClr val="tx1"/>
+                </a:solidFill>
+              </a:rPr>
+              <a:t>1</a:t>
+            </a:r>
+            <a:r>
+              <a:rPr lang="ko-KR" altLang="en-US" sz="1600" dirty="0">
+                <a:solidFill>
+                  <a:schemeClr val="tx1"/>
+                </a:solidFill>
+              </a:rPr>
+              <a:t>개 이하인 경우</a:t>
+            </a:r>
+            <a:r>
+              <a:rPr lang="en-US" altLang="ko-KR" sz="1600" dirty="0">
+                <a:solidFill>
+                  <a:schemeClr val="tx1"/>
+                </a:solidFill>
+              </a:rPr>
+              <a:t>(</a:t>
+            </a:r>
+            <a:r>
+              <a:rPr lang="ko-KR" altLang="en-US" sz="1600" dirty="0">
+                <a:solidFill>
+                  <a:schemeClr val="tx1"/>
+                </a:solidFill>
+              </a:rPr>
+              <a:t>문자열을 받지 않은 경우</a:t>
+            </a:r>
+            <a:r>
+              <a:rPr lang="en-US" altLang="ko-KR" sz="1600" dirty="0">
+                <a:solidFill>
+                  <a:schemeClr val="tx1"/>
+                </a:solidFill>
+              </a:rPr>
+              <a:t>) </a:t>
+            </a:r>
+            <a:r>
+              <a:rPr lang="ko-KR" altLang="en-US" sz="1600" dirty="0">
+                <a:solidFill>
+                  <a:schemeClr val="tx1"/>
+                </a:solidFill>
+              </a:rPr>
+              <a:t>사용법을 출력하고 프로그램을 종료함</a:t>
+            </a:r>
+            <a:r>
+              <a:rPr lang="en-US" altLang="ko-KR" sz="1600" dirty="0">
+                <a:solidFill>
+                  <a:schemeClr val="tx1"/>
+                </a:solidFill>
+              </a:rPr>
+              <a:t>.</a:t>
+            </a:r>
+          </a:p>
+          <a:p>
+            <a:pPr marL="285750" indent="-285750">
+              <a:buFont typeface="Wingdings" panose="05000000000000000000" pitchFamily="2" charset="2"/>
+              <a:buChar char="Ø"/>
+            </a:pPr>
+            <a:endParaRPr lang="en-US" altLang="ko-KR" sz="1600" dirty="0">
+              <a:solidFill>
+                <a:schemeClr val="tx1"/>
+              </a:solidFill>
+            </a:endParaRPr>
+          </a:p>
+          <a:p>
+            <a:pPr marL="285750" indent="-285750">
+              <a:buFont typeface="Wingdings" panose="05000000000000000000" pitchFamily="2" charset="2"/>
+              <a:buChar char="Ø"/>
+            </a:pPr>
+            <a:r>
+              <a:rPr lang="en-US" altLang="ko-KR" sz="1600" dirty="0" err="1">
+                <a:solidFill>
+                  <a:schemeClr val="tx1"/>
+                </a:solidFill>
+              </a:rPr>
+              <a:t>strncpy</a:t>
+            </a:r>
+            <a:r>
+              <a:rPr lang="ko-KR" altLang="en-US" sz="1600" dirty="0">
+                <a:solidFill>
+                  <a:schemeClr val="tx1"/>
+                </a:solidFill>
+              </a:rPr>
+              <a:t>를 통해 매개변수로 받은 문자열을 </a:t>
+            </a:r>
+            <a:r>
+              <a:rPr lang="en-US" altLang="ko-KR" sz="1600" dirty="0">
+                <a:solidFill>
+                  <a:schemeClr val="tx1"/>
+                </a:solidFill>
+              </a:rPr>
+              <a:t>string </a:t>
+            </a:r>
+            <a:r>
+              <a:rPr lang="ko-KR" altLang="en-US" sz="1600" dirty="0">
+                <a:solidFill>
+                  <a:schemeClr val="tx1"/>
+                </a:solidFill>
+              </a:rPr>
+              <a:t>문자열에 복사함</a:t>
+            </a:r>
+            <a:r>
+              <a:rPr lang="en-US" altLang="ko-KR" sz="1600" dirty="0">
+                <a:solidFill>
+                  <a:schemeClr val="tx1"/>
+                </a:solidFill>
+              </a:rPr>
+              <a:t>.</a:t>
+            </a:r>
+          </a:p>
+          <a:p>
+            <a:pPr marL="285750" indent="-285750">
+              <a:buFont typeface="Wingdings" panose="05000000000000000000" pitchFamily="2" charset="2"/>
+              <a:buChar char="Ø"/>
+            </a:pPr>
+            <a:endParaRPr lang="en-US" altLang="ko-KR" sz="1600" dirty="0">
+              <a:solidFill>
+                <a:schemeClr val="tx1"/>
+              </a:solidFill>
+            </a:endParaRPr>
+          </a:p>
+          <a:p>
+            <a:pPr marL="285750" indent="-285750">
+              <a:buFont typeface="Wingdings" panose="05000000000000000000" pitchFamily="2" charset="2"/>
+              <a:buChar char="Ø"/>
+            </a:pPr>
+            <a:r>
+              <a:rPr lang="en-US" altLang="ko-KR" sz="1600" dirty="0" err="1">
+                <a:solidFill>
+                  <a:schemeClr val="tx1"/>
+                </a:solidFill>
+              </a:rPr>
+              <a:t>make_enzyme_threads</a:t>
+            </a:r>
+            <a:r>
+              <a:rPr lang="en-US" altLang="ko-KR" sz="1600" dirty="0">
+                <a:solidFill>
+                  <a:schemeClr val="tx1"/>
+                </a:solidFill>
+              </a:rPr>
               <a:t> </a:t>
             </a:r>
             <a:r>
-              <a:rPr lang="ko-KR" altLang="en-US" sz="1600" dirty="0"/>
-              <a:t>함수</a:t>
-            </a:r>
-            <a:endParaRPr lang="en-US" altLang="ko-KR" sz="1600" dirty="0"/>
-          </a:p>
-          <a:p>
-            <a:r>
-              <a:rPr lang="en-US" altLang="ko-KR" sz="1600" dirty="0"/>
-              <a:t>enzyme </a:t>
-            </a:r>
-            <a:r>
-              <a:rPr lang="ko-KR" altLang="en-US" sz="1600" dirty="0"/>
-              <a:t>쓰레드가 수행하는 함수</a:t>
-            </a:r>
-          </a:p>
-        </p:txBody>
-      </p:sp>
-      <p:sp>
-        <p:nvSpPr>
-          <p:cNvPr id="21" name="TextBox 20">
-            <a:extLst>
-              <a:ext uri="{FF2B5EF4-FFF2-40B4-BE49-F238E27FC236}">
-                <a16:creationId xmlns:a16="http://schemas.microsoft.com/office/drawing/2014/main" id="{BE9FD5D8-81E7-4412-9DEB-0B19322D2F1C}"/>
-              </a:ext>
-            </a:extLst>
-          </p:cNvPr>
-          <p:cNvSpPr txBox="1"/>
-          <p:nvPr/>
-        </p:nvSpPr>
-        <p:spPr>
-          <a:xfrm>
-            <a:off x="7935985" y="4888992"/>
-            <a:ext cx="3967993" cy="338554"/>
-          </a:xfrm>
-          <a:prstGeom prst="rect">
-            <a:avLst/>
-          </a:prstGeom>
-          <a:noFill/>
-          <a:ln>
-            <a:solidFill>
-              <a:schemeClr val="accent1"/>
-            </a:solidFill>
-          </a:ln>
-        </p:spPr>
-        <p:txBody>
-          <a:bodyPr wrap="square" rtlCol="0">
-            <a:spAutoFit/>
-          </a:bodyPr>
-          <a:lstStyle/>
-          <a:p>
-            <a:r>
-              <a:rPr lang="en-US" altLang="ko-KR" sz="1600" dirty="0"/>
-              <a:t>smp2_main : </a:t>
-            </a:r>
-            <a:r>
-              <a:rPr lang="ko-KR" altLang="en-US" sz="1600" dirty="0"/>
-              <a:t>이 프로그램의 </a:t>
-            </a:r>
-            <a:r>
-              <a:rPr lang="en-US" altLang="ko-KR" sz="1600" dirty="0"/>
-              <a:t>main </a:t>
-            </a:r>
-            <a:r>
-              <a:rPr lang="ko-KR" altLang="en-US" sz="1600" dirty="0"/>
-              <a:t>함수</a:t>
-            </a:r>
-          </a:p>
-        </p:txBody>
-      </p:sp>
-      <p:sp>
-        <p:nvSpPr>
-          <p:cNvPr id="22" name="TextBox 21">
-            <a:extLst>
-              <a:ext uri="{FF2B5EF4-FFF2-40B4-BE49-F238E27FC236}">
-                <a16:creationId xmlns:a16="http://schemas.microsoft.com/office/drawing/2014/main" id="{51EFB624-0AF3-48C2-A7EC-D46CF3A7D54E}"/>
-              </a:ext>
-            </a:extLst>
-          </p:cNvPr>
-          <p:cNvSpPr txBox="1"/>
-          <p:nvPr/>
-        </p:nvSpPr>
-        <p:spPr>
-          <a:xfrm>
-            <a:off x="4569689" y="4888992"/>
-            <a:ext cx="3290795" cy="830997"/>
-          </a:xfrm>
-          <a:prstGeom prst="rect">
-            <a:avLst/>
-          </a:prstGeom>
-          <a:noFill/>
-          <a:ln>
-            <a:solidFill>
-              <a:schemeClr val="accent1"/>
-            </a:solidFill>
-          </a:ln>
-        </p:spPr>
-        <p:txBody>
-          <a:bodyPr wrap="square" rtlCol="0">
-            <a:spAutoFit/>
-          </a:bodyPr>
-          <a:lstStyle/>
-          <a:p>
-            <a:r>
-              <a:rPr lang="en-US" altLang="ko-KR" sz="1600" dirty="0" err="1"/>
+              <a:rPr lang="ko-KR" altLang="en-US" sz="1600" dirty="0">
+                <a:solidFill>
+                  <a:schemeClr val="tx1"/>
+                </a:solidFill>
+              </a:rPr>
+              <a:t>함수를 호출하여 쓰레드를 생성하고</a:t>
+            </a:r>
+            <a:r>
+              <a:rPr lang="en-US" altLang="ko-KR" sz="1600" dirty="0">
+                <a:solidFill>
+                  <a:schemeClr val="tx1"/>
+                </a:solidFill>
+              </a:rPr>
+              <a:t>, </a:t>
+            </a:r>
+            <a:r>
+              <a:rPr lang="ko-KR" altLang="en-US" sz="1600" dirty="0">
+                <a:solidFill>
+                  <a:schemeClr val="tx1"/>
+                </a:solidFill>
+              </a:rPr>
+              <a:t>변수 </a:t>
+            </a:r>
+            <a:r>
+              <a:rPr lang="en-US" altLang="ko-KR" sz="1600" dirty="0">
+                <a:solidFill>
+                  <a:schemeClr val="tx1"/>
+                </a:solidFill>
+              </a:rPr>
+              <a:t>n</a:t>
+            </a:r>
+            <a:r>
+              <a:rPr lang="ko-KR" altLang="en-US" sz="1600" dirty="0">
+                <a:solidFill>
+                  <a:schemeClr val="tx1"/>
+                </a:solidFill>
+              </a:rPr>
+              <a:t>에</a:t>
+            </a:r>
+            <a:r>
+              <a:rPr lang="en-US" altLang="ko-KR" sz="1600" dirty="0">
+                <a:solidFill>
+                  <a:schemeClr val="tx1"/>
+                </a:solidFill>
+              </a:rPr>
+              <a:t> </a:t>
+            </a:r>
+            <a:r>
+              <a:rPr lang="ko-KR" altLang="en-US" sz="1600" dirty="0">
+                <a:solidFill>
+                  <a:schemeClr val="tx1"/>
+                </a:solidFill>
+              </a:rPr>
+              <a:t>생성된 쓰레드의 개수를 저장하고</a:t>
+            </a:r>
+            <a:r>
+              <a:rPr lang="en-US" altLang="ko-KR" sz="1600" dirty="0">
+                <a:solidFill>
+                  <a:schemeClr val="tx1"/>
+                </a:solidFill>
+              </a:rPr>
+              <a:t>, </a:t>
+            </a:r>
+            <a:r>
+              <a:rPr lang="ko-KR" altLang="en-US" sz="1600" dirty="0">
+                <a:solidFill>
+                  <a:schemeClr val="tx1"/>
+                </a:solidFill>
+              </a:rPr>
+              <a:t>이를 출력함</a:t>
+            </a:r>
+            <a:r>
+              <a:rPr lang="en-US" altLang="ko-KR" sz="1600" dirty="0">
+                <a:solidFill>
+                  <a:schemeClr val="tx1"/>
+                </a:solidFill>
+              </a:rPr>
+              <a:t>.</a:t>
+            </a:r>
+          </a:p>
+          <a:p>
+            <a:pPr marL="285750" indent="-285750">
+              <a:buFont typeface="Wingdings" panose="05000000000000000000" pitchFamily="2" charset="2"/>
+              <a:buChar char="Ø"/>
+            </a:pPr>
+            <a:endParaRPr lang="en-US" altLang="ko-KR" sz="1600" dirty="0">
+              <a:solidFill>
+                <a:schemeClr val="tx1"/>
+              </a:solidFill>
+            </a:endParaRPr>
+          </a:p>
+          <a:p>
+            <a:pPr marL="285750" indent="-285750">
+              <a:buFont typeface="Wingdings" panose="05000000000000000000" pitchFamily="2" charset="2"/>
+              <a:buChar char="Ø"/>
+            </a:pPr>
+            <a:r>
+              <a:rPr lang="en-US" altLang="ko-KR" sz="1600" dirty="0" err="1">
+                <a:solidFill>
+                  <a:schemeClr val="tx1"/>
+                </a:solidFill>
+              </a:rPr>
+              <a:t>sleeper_func</a:t>
+            </a:r>
+            <a:r>
+              <a:rPr lang="en-US" altLang="ko-KR" sz="1600" dirty="0">
+                <a:solidFill>
+                  <a:schemeClr val="tx1"/>
+                </a:solidFill>
+              </a:rPr>
+              <a:t> </a:t>
+            </a:r>
+            <a:r>
+              <a:rPr lang="ko-KR" altLang="en-US" sz="1600" dirty="0">
+                <a:solidFill>
+                  <a:schemeClr val="tx1"/>
+                </a:solidFill>
+              </a:rPr>
+              <a:t>함수를 호출하여</a:t>
+            </a:r>
+            <a:r>
+              <a:rPr lang="en-US" altLang="ko-KR" sz="1600" dirty="0">
+                <a:solidFill>
+                  <a:schemeClr val="tx1"/>
+                </a:solidFill>
+              </a:rPr>
+              <a:t>, </a:t>
+            </a:r>
+            <a:r>
+              <a:rPr lang="ko-KR" altLang="en-US" sz="1600" dirty="0">
+                <a:solidFill>
+                  <a:schemeClr val="tx1"/>
+                </a:solidFill>
+              </a:rPr>
+              <a:t>정렬이 </a:t>
+            </a:r>
+            <a:r>
+              <a:rPr lang="en-US" altLang="ko-KR" sz="1600" dirty="0">
+                <a:solidFill>
+                  <a:schemeClr val="tx1"/>
+                </a:solidFill>
+              </a:rPr>
+              <a:t>5</a:t>
+            </a:r>
+            <a:r>
+              <a:rPr lang="ko-KR" altLang="en-US" sz="1600" dirty="0">
+                <a:solidFill>
+                  <a:schemeClr val="tx1"/>
+                </a:solidFill>
+              </a:rPr>
+              <a:t>초 이상 지연되는 경우 프로그램을 </a:t>
+            </a:r>
+            <a:r>
+              <a:rPr lang="ko-KR" altLang="en-US" sz="1600" dirty="0" err="1">
+                <a:solidFill>
+                  <a:schemeClr val="tx1"/>
+                </a:solidFill>
+              </a:rPr>
+              <a:t>종료시킴</a:t>
+            </a:r>
+            <a:r>
+              <a:rPr lang="en-US" altLang="ko-KR" sz="1600" dirty="0">
+                <a:solidFill>
+                  <a:schemeClr val="tx1"/>
+                </a:solidFill>
+              </a:rPr>
+              <a:t>.</a:t>
+            </a:r>
+          </a:p>
+          <a:p>
+            <a:pPr marL="285750" indent="-285750">
+              <a:buFont typeface="Wingdings" panose="05000000000000000000" pitchFamily="2" charset="2"/>
+              <a:buChar char="Ø"/>
+            </a:pPr>
+            <a:endParaRPr lang="en-US" altLang="ko-KR" sz="1600" dirty="0">
+              <a:solidFill>
+                <a:schemeClr val="tx1"/>
+              </a:solidFill>
+            </a:endParaRPr>
+          </a:p>
+          <a:p>
+            <a:pPr marL="285750" indent="-285750">
+              <a:buFont typeface="Wingdings" panose="05000000000000000000" pitchFamily="2" charset="2"/>
+              <a:buChar char="Ø"/>
+            </a:pPr>
+            <a:r>
+              <a:rPr lang="en-US" altLang="ko-KR" sz="1600" dirty="0" err="1">
+                <a:solidFill>
+                  <a:schemeClr val="tx1"/>
+                </a:solidFill>
+              </a:rPr>
+              <a:t>wait_till_done</a:t>
+            </a:r>
+            <a:r>
+              <a:rPr lang="en-US" altLang="ko-KR" sz="1600" dirty="0">
+                <a:solidFill>
+                  <a:schemeClr val="tx1"/>
+                </a:solidFill>
+              </a:rPr>
+              <a:t> </a:t>
+            </a:r>
+            <a:r>
+              <a:rPr lang="ko-KR" altLang="en-US" sz="1600" dirty="0">
+                <a:solidFill>
+                  <a:schemeClr val="tx1"/>
+                </a:solidFill>
+              </a:rPr>
+              <a:t>함수를 통해 정렬이 완료될 때까지 대기함</a:t>
+            </a:r>
+            <a:r>
+              <a:rPr lang="en-US" altLang="ko-KR" sz="1600" dirty="0">
+                <a:solidFill>
+                  <a:schemeClr val="tx1"/>
+                </a:solidFill>
+              </a:rPr>
+              <a:t>.</a:t>
+            </a:r>
+          </a:p>
+          <a:p>
+            <a:pPr marL="285750" indent="-285750">
+              <a:buFont typeface="Wingdings" panose="05000000000000000000" pitchFamily="2" charset="2"/>
+              <a:buChar char="Ø"/>
+            </a:pPr>
+            <a:endParaRPr lang="en-US" altLang="ko-KR" sz="1600" dirty="0">
+              <a:solidFill>
+                <a:schemeClr val="tx1"/>
+              </a:solidFill>
+            </a:endParaRPr>
+          </a:p>
+          <a:p>
+            <a:pPr marL="285750" indent="-285750">
+              <a:buFont typeface="Wingdings" panose="05000000000000000000" pitchFamily="2" charset="2"/>
+              <a:buChar char="Ø"/>
+            </a:pPr>
+            <a:r>
+              <a:rPr lang="ko-KR" altLang="en-US" sz="1600" dirty="0">
+                <a:solidFill>
+                  <a:schemeClr val="tx1"/>
+                </a:solidFill>
+              </a:rPr>
+              <a:t>정렬이 완료된 경우</a:t>
+            </a:r>
+            <a:r>
+              <a:rPr lang="en-US" altLang="ko-KR" sz="1600" dirty="0">
+                <a:solidFill>
+                  <a:schemeClr val="tx1"/>
+                </a:solidFill>
+              </a:rPr>
+              <a:t>, </a:t>
+            </a:r>
+            <a:r>
+              <a:rPr lang="en-US" altLang="ko-KR" sz="1600" dirty="0" err="1">
+                <a:solidFill>
+                  <a:schemeClr val="tx1"/>
+                </a:solidFill>
+              </a:rPr>
               <a:t>join_on_enzymes</a:t>
             </a:r>
             <a:r>
-              <a:rPr lang="en-US" altLang="ko-KR" sz="1600" dirty="0"/>
+              <a:rPr lang="en-US" altLang="ko-KR" sz="1600" dirty="0">
+                <a:solidFill>
+                  <a:schemeClr val="tx1"/>
+                </a:solidFill>
+              </a:rPr>
               <a:t> </a:t>
             </a:r>
             <a:r>
-              <a:rPr lang="ko-KR" altLang="en-US" sz="1600" dirty="0"/>
-              <a:t>함수</a:t>
-            </a:r>
-            <a:endParaRPr lang="en-US" altLang="ko-KR" sz="1600" dirty="0"/>
-          </a:p>
-          <a:p>
-            <a:r>
-              <a:rPr lang="en-US" altLang="ko-KR" sz="1600" dirty="0"/>
-              <a:t>enzyme </a:t>
-            </a:r>
-            <a:r>
-              <a:rPr lang="ko-KR" altLang="en-US" sz="1600" dirty="0"/>
-              <a:t>쓰레드들을 종료 시키고</a:t>
-            </a:r>
-            <a:r>
-              <a:rPr lang="en-US" altLang="ko-KR" sz="1600" dirty="0"/>
-              <a:t>,</a:t>
-            </a:r>
-          </a:p>
-          <a:p>
-            <a:r>
-              <a:rPr lang="ko-KR" altLang="en-US" sz="1600" dirty="0" err="1"/>
+              <a:rPr lang="ko-KR" altLang="en-US" sz="1600" dirty="0">
+                <a:solidFill>
+                  <a:schemeClr val="tx1"/>
+                </a:solidFill>
+              </a:rPr>
+              <a:t>함수를 호출하여 </a:t>
+            </a:r>
+            <a:endParaRPr lang="en-US" altLang="ko-KR" sz="1600" dirty="0">
+              <a:solidFill>
+                <a:schemeClr val="tx1"/>
+              </a:solidFill>
+            </a:endParaRPr>
+          </a:p>
+          <a:p>
+            <a:r>
+              <a:rPr lang="en-US" altLang="ko-KR" sz="1600" dirty="0">
+                <a:solidFill>
+                  <a:schemeClr val="tx1"/>
+                </a:solidFill>
+              </a:rPr>
+              <a:t>    </a:t>
+            </a:r>
+            <a:r>
+              <a:rPr lang="ko-KR" altLang="en-US" sz="1600" dirty="0">
+                <a:solidFill>
+                  <a:schemeClr val="tx1"/>
+                </a:solidFill>
+              </a:rPr>
+              <a:t>문자 </a:t>
+            </a:r>
+            <a:r>
+              <a:rPr lang="ko-KR" altLang="en-US" sz="1600" dirty="0" err="1">
+                <a:solidFill>
+                  <a:schemeClr val="tx1"/>
+                </a:solidFill>
+              </a:rPr>
               <a:t>스왑</a:t>
             </a:r>
             <a:r>
-              <a:rPr lang="en-US" altLang="ko-KR" sz="1600" dirty="0"/>
-              <a:t>(</a:t>
-            </a:r>
-            <a:r>
-              <a:rPr lang="ko-KR" altLang="en-US" sz="1600" dirty="0"/>
-              <a:t>정렬</a:t>
-            </a:r>
-            <a:r>
-              <a:rPr lang="en-US" altLang="ko-KR" sz="1600" dirty="0"/>
-              <a:t>)</a:t>
-            </a:r>
-            <a:r>
-              <a:rPr lang="ko-KR" altLang="en-US" sz="1600" dirty="0"/>
-              <a:t>횟수를 세는 함수</a:t>
-            </a:r>
-          </a:p>
-        </p:txBody>
-      </p:sp>
-      <p:sp>
-        <p:nvSpPr>
-          <p:cNvPr id="23" name="TextBox 22">
-            <a:extLst>
-              <a:ext uri="{FF2B5EF4-FFF2-40B4-BE49-F238E27FC236}">
-                <a16:creationId xmlns:a16="http://schemas.microsoft.com/office/drawing/2014/main" id="{7B3B28BC-59F3-466C-88A8-30A09137C2B6}"/>
-              </a:ext>
-            </a:extLst>
-          </p:cNvPr>
-          <p:cNvSpPr txBox="1"/>
-          <p:nvPr/>
-        </p:nvSpPr>
-        <p:spPr>
-          <a:xfrm>
-            <a:off x="1292390" y="5803392"/>
-            <a:ext cx="3967993" cy="584775"/>
-          </a:xfrm>
-          <a:prstGeom prst="rect">
-            <a:avLst/>
-          </a:prstGeom>
-          <a:noFill/>
-          <a:ln>
-            <a:solidFill>
-              <a:schemeClr val="accent1"/>
-            </a:solidFill>
-          </a:ln>
-        </p:spPr>
-        <p:txBody>
-          <a:bodyPr wrap="square" rtlCol="0">
-            <a:spAutoFit/>
-          </a:bodyPr>
-          <a:lstStyle/>
-          <a:p>
-            <a:r>
-              <a:rPr lang="en-US" altLang="ko-KR" sz="1600" dirty="0" err="1"/>
-              <a:t>make_enzyme_threads</a:t>
-            </a:r>
-            <a:endParaRPr lang="en-US" altLang="ko-KR" sz="1600" dirty="0"/>
-          </a:p>
-          <a:p>
-            <a:r>
-              <a:rPr lang="en-US" altLang="ko-KR" sz="1600" dirty="0"/>
-              <a:t>enzyme </a:t>
-            </a:r>
-            <a:r>
-              <a:rPr lang="ko-KR" altLang="en-US" sz="1600" dirty="0"/>
-              <a:t>쓰레드를 생성하는 함수</a:t>
-            </a:r>
-            <a:r>
-              <a:rPr lang="en-US" altLang="ko-KR" sz="1600" dirty="0"/>
+              <a:rPr lang="ko-KR" altLang="en-US" sz="1600" dirty="0">
+                <a:solidFill>
+                  <a:schemeClr val="tx1"/>
+                </a:solidFill>
+              </a:rPr>
+              <a:t> 횟수를 </a:t>
+            </a:r>
+            <a:r>
+              <a:rPr lang="en-US" altLang="ko-KR" sz="1600" dirty="0" err="1">
+                <a:solidFill>
+                  <a:schemeClr val="tx1"/>
+                </a:solidFill>
+              </a:rPr>
+              <a:t>totalswap</a:t>
+            </a:r>
+            <a:r>
+              <a:rPr lang="en-US" altLang="ko-KR" sz="1600" dirty="0">
+                <a:solidFill>
+                  <a:schemeClr val="tx1"/>
+                </a:solidFill>
+              </a:rPr>
+              <a:t> </a:t>
+            </a:r>
+            <a:r>
+              <a:rPr lang="ko-KR" altLang="en-US" sz="1600" dirty="0">
+                <a:solidFill>
+                  <a:schemeClr val="tx1"/>
+                </a:solidFill>
+              </a:rPr>
+              <a:t>변수에 저장하고</a:t>
+            </a:r>
+            <a:r>
+              <a:rPr lang="en-US" altLang="ko-KR" sz="1600" dirty="0">
+                <a:solidFill>
+                  <a:schemeClr val="tx1"/>
+                </a:solidFill>
+              </a:rPr>
+              <a:t>, </a:t>
+            </a:r>
+            <a:r>
+              <a:rPr lang="ko-KR" altLang="en-US" sz="1600" dirty="0">
+                <a:solidFill>
+                  <a:schemeClr val="tx1"/>
+                </a:solidFill>
+              </a:rPr>
+              <a:t>이를 출력함</a:t>
+            </a:r>
+            <a:r>
+              <a:rPr lang="en-US" altLang="ko-KR" sz="1600" dirty="0">
+                <a:solidFill>
+                  <a:schemeClr val="tx1"/>
+                </a:solidFill>
+              </a:rPr>
               <a:t>.</a:t>
             </a:r>
-            <a:endParaRPr lang="ko-KR" altLang="en-US" sz="1600" dirty="0"/>
+          </a:p>
+          <a:p>
+            <a:pPr marL="285750" indent="-285750">
+              <a:buFont typeface="Wingdings" panose="05000000000000000000" pitchFamily="2" charset="2"/>
+              <a:buChar char="Ø"/>
+            </a:pPr>
+            <a:endParaRPr lang="en-US" altLang="ko-KR" sz="1600" dirty="0">
+              <a:solidFill>
+                <a:schemeClr val="tx1"/>
+              </a:solidFill>
+            </a:endParaRPr>
+          </a:p>
+          <a:p>
+            <a:pPr marL="285750" indent="-285750">
+              <a:buFont typeface="Wingdings" panose="05000000000000000000" pitchFamily="2" charset="2"/>
+              <a:buChar char="Ø"/>
+            </a:pPr>
+            <a:r>
+              <a:rPr lang="ko-KR" altLang="en-US" sz="1600" dirty="0">
+                <a:solidFill>
+                  <a:schemeClr val="tx1"/>
+                </a:solidFill>
+              </a:rPr>
+              <a:t>마지막으로 총 </a:t>
+            </a:r>
+            <a:r>
+              <a:rPr lang="ko-KR" altLang="en-US" sz="1600" dirty="0" err="1">
+                <a:solidFill>
+                  <a:schemeClr val="tx1"/>
+                </a:solidFill>
+              </a:rPr>
+              <a:t>스왑</a:t>
+            </a:r>
+            <a:r>
+              <a:rPr lang="ko-KR" altLang="en-US" sz="1600" dirty="0">
+                <a:solidFill>
+                  <a:schemeClr val="tx1"/>
+                </a:solidFill>
+              </a:rPr>
+              <a:t> 횟수와 정렬된 문자열을 출력하고    프로그램이</a:t>
+            </a:r>
+            <a:r>
+              <a:rPr lang="en-US" altLang="ko-KR" sz="1600" dirty="0">
+                <a:solidFill>
+                  <a:schemeClr val="tx1"/>
+                </a:solidFill>
+              </a:rPr>
+              <a:t> </a:t>
+            </a:r>
+            <a:r>
+              <a:rPr lang="ko-KR" altLang="en-US" sz="1600" dirty="0">
+                <a:solidFill>
+                  <a:schemeClr val="tx1"/>
+                </a:solidFill>
+              </a:rPr>
+              <a:t>종료됨</a:t>
+            </a:r>
+            <a:r>
+              <a:rPr lang="en-US" altLang="ko-KR" sz="1600" dirty="0">
+                <a:solidFill>
+                  <a:schemeClr val="tx1"/>
+                </a:solidFill>
+              </a:rPr>
+              <a:t>.</a:t>
+            </a:r>
           </a:p>
         </p:txBody>
       </p:sp>
     </p:spTree>
     <p:extLst>
       <p:ext uri="{BB962C8B-B14F-4D97-AF65-F5344CB8AC3E}">
-        <p14:creationId xmlns:p14="http://schemas.microsoft.com/office/powerpoint/2010/main" val="45242797"/>
+        <p14:creationId xmlns:p14="http://schemas.microsoft.com/office/powerpoint/2010/main" val="1370059477"/>
       </p:ext>
     </p:extLst>
   </p:cSld>
